--- a/docs/AlicesFavsUI.pptx
+++ b/docs/AlicesFavsUI.pptx
@@ -8,13 +8,15 @@
     <p:sldId id="256" r:id="rId2"/>
     <p:sldId id="259" r:id="rId3"/>
     <p:sldId id="258" r:id="rId4"/>
-    <p:sldId id="257" r:id="rId5"/>
-    <p:sldId id="260" r:id="rId6"/>
-    <p:sldId id="261" r:id="rId7"/>
-    <p:sldId id="262" r:id="rId8"/>
-    <p:sldId id="263" r:id="rId9"/>
-    <p:sldId id="264" r:id="rId10"/>
-    <p:sldId id="265" r:id="rId11"/>
+    <p:sldId id="267" r:id="rId5"/>
+    <p:sldId id="257" r:id="rId6"/>
+    <p:sldId id="266" r:id="rId7"/>
+    <p:sldId id="260" r:id="rId8"/>
+    <p:sldId id="261" r:id="rId9"/>
+    <p:sldId id="262" r:id="rId10"/>
+    <p:sldId id="263" r:id="rId11"/>
+    <p:sldId id="264" r:id="rId12"/>
+    <p:sldId id="265" r:id="rId13"/>
   </p:sldIdLst>
   <p:sldSz cx="6858000" cy="9144000" type="screen4x3"/>
   <p:notesSz cx="6858000" cy="9144000"/>
@@ -3679,7 +3681,7 @@
         </p:nvSpPr>
         <p:spPr>
           <a:xfrm>
-            <a:off x="1114927" y="7040151"/>
+            <a:off x="2169790" y="7040151"/>
             <a:ext cx="713726" cy="261610"/>
           </a:xfrm>
           <a:prstGeom prst="rect">
@@ -3709,7 +3711,7 @@
         </p:nvSpPr>
         <p:spPr>
           <a:xfrm>
-            <a:off x="2069579" y="7040151"/>
+            <a:off x="3124442" y="7040151"/>
             <a:ext cx="807677" cy="261610"/>
           </a:xfrm>
           <a:prstGeom prst="rect">
@@ -3739,7 +3741,7 @@
         </p:nvSpPr>
         <p:spPr>
           <a:xfrm>
-            <a:off x="3043825" y="7040151"/>
+            <a:off x="4098688" y="7040151"/>
             <a:ext cx="433319" cy="261610"/>
           </a:xfrm>
           <a:prstGeom prst="rect">
@@ -3756,44 +3758,6 @@
             <a:r>
               <a:rPr lang="en-US" sz="1100" dirty="0" smtClean="0"/>
               <a:t>Jobs</a:t>
-            </a:r>
-            <a:endParaRPr lang="en-US" sz="1100" dirty="0"/>
-          </a:p>
-        </p:txBody>
-      </p:sp>
-      <p:sp>
-        <p:nvSpPr>
-          <p:cNvPr id="58" name="TextBox 57"/>
-          <p:cNvSpPr txBox="1"/>
-          <p:nvPr/>
-        </p:nvSpPr>
-        <p:spPr>
-          <a:xfrm>
-            <a:off x="3900026" y="7037046"/>
-            <a:ext cx="1292447" cy="261610"/>
-          </a:xfrm>
-          <a:prstGeom prst="rect">
-            <a:avLst/>
-          </a:prstGeom>
-          <a:noFill/>
-        </p:spPr>
-        <p:txBody>
-          <a:bodyPr wrap="none" rtlCol="0">
-            <a:spAutoFit/>
-          </a:bodyPr>
-          <a:lstStyle/>
-          <a:p>
-            <a:r>
-              <a:rPr lang="en-US" sz="1100" dirty="0" smtClean="0"/>
-              <a:t>Alice’s </a:t>
-            </a:r>
-            <a:r>
-              <a:rPr lang="en-US" sz="1100" dirty="0" err="1" smtClean="0"/>
-              <a:t>Favs</a:t>
-            </a:r>
-            <a:r>
-              <a:rPr lang="en-US" sz="1100" dirty="0" smtClean="0"/>
-              <a:t> Canada</a:t>
             </a:r>
             <a:endParaRPr lang="en-US" sz="1100" dirty="0"/>
           </a:p>
@@ -4146,6 +4110,75 @@
           <a:xfrm flipH="1" flipV="1">
             <a:off x="3288223" y="2204138"/>
             <a:ext cx="853104" cy="1348126"/>
+          </a:xfrm>
+          <a:prstGeom prst="straightConnector1">
+            <a:avLst/>
+          </a:prstGeom>
+          <a:ln>
+            <a:solidFill>
+              <a:srgbClr val="4F81BD"/>
+            </a:solidFill>
+            <a:tailEnd type="triangle"/>
+          </a:ln>
+        </p:spPr>
+        <p:style>
+          <a:lnRef idx="2">
+            <a:schemeClr val="accent1"/>
+          </a:lnRef>
+          <a:fillRef idx="0">
+            <a:schemeClr val="accent1"/>
+          </a:fillRef>
+          <a:effectRef idx="1">
+            <a:schemeClr val="accent1"/>
+          </a:effectRef>
+          <a:fontRef idx="minor">
+            <a:schemeClr val="tx1"/>
+          </a:fontRef>
+        </p:style>
+      </p:cxnSp>
+      <p:sp>
+        <p:nvSpPr>
+          <p:cNvPr id="32" name="TextBox 31"/>
+          <p:cNvSpPr txBox="1"/>
+          <p:nvPr/>
+        </p:nvSpPr>
+        <p:spPr>
+          <a:xfrm>
+            <a:off x="587693" y="3436832"/>
+            <a:ext cx="1465637" cy="200055"/>
+          </a:xfrm>
+          <a:prstGeom prst="rect">
+            <a:avLst/>
+          </a:prstGeom>
+          <a:noFill/>
+        </p:spPr>
+        <p:txBody>
+          <a:bodyPr wrap="none" rtlCol="0">
+            <a:spAutoFit/>
+          </a:bodyPr>
+          <a:lstStyle/>
+          <a:p>
+            <a:r>
+              <a:rPr lang="en-US" sz="700" i="1" dirty="0" smtClean="0"/>
+              <a:t>We may add more categories later</a:t>
+            </a:r>
+            <a:endParaRPr lang="en-US" sz="700" i="1" dirty="0"/>
+          </a:p>
+        </p:txBody>
+      </p:sp>
+      <p:cxnSp>
+        <p:nvCxnSpPr>
+          <p:cNvPr id="33" name="Straight Arrow Connector 32"/>
+          <p:cNvCxnSpPr>
+            <a:stCxn id="32" idx="0"/>
+            <a:endCxn id="22" idx="2"/>
+          </p:cNvCxnSpPr>
+          <p:nvPr/>
+        </p:nvCxnSpPr>
+        <p:spPr>
+          <a:xfrm flipV="1">
+            <a:off x="1320512" y="2791448"/>
+            <a:ext cx="507864" cy="645384"/>
           </a:xfrm>
           <a:prstGeom prst="straightConnector1">
             <a:avLst/>
@@ -4327,6 +4360,748 @@
         <p:spPr>
           <a:xfrm>
             <a:off x="1185333" y="1346970"/>
+            <a:ext cx="1809748" cy="369332"/>
+          </a:xfrm>
+          <a:prstGeom prst="rect">
+            <a:avLst/>
+          </a:prstGeom>
+          <a:noFill/>
+        </p:spPr>
+        <p:txBody>
+          <a:bodyPr wrap="none" rtlCol="0">
+            <a:spAutoFit/>
+          </a:bodyPr>
+          <a:lstStyle/>
+          <a:p>
+            <a:r>
+              <a:rPr lang="en-US" i="1" dirty="0" smtClean="0"/>
+              <a:t>Forgot password</a:t>
+            </a:r>
+            <a:endParaRPr lang="en-US" i="1" dirty="0"/>
+          </a:p>
+        </p:txBody>
+      </p:sp>
+      <p:sp>
+        <p:nvSpPr>
+          <p:cNvPr id="5" name="TextBox 4"/>
+          <p:cNvSpPr txBox="1"/>
+          <p:nvPr/>
+        </p:nvSpPr>
+        <p:spPr>
+          <a:xfrm>
+            <a:off x="1336150" y="3817696"/>
+            <a:ext cx="990000" cy="261610"/>
+          </a:xfrm>
+          <a:prstGeom prst="rect">
+            <a:avLst/>
+          </a:prstGeom>
+          <a:noFill/>
+        </p:spPr>
+        <p:txBody>
+          <a:bodyPr wrap="none" rtlCol="0">
+            <a:spAutoFit/>
+          </a:bodyPr>
+          <a:lstStyle/>
+          <a:p>
+            <a:r>
+              <a:rPr lang="en-US" sz="1100" dirty="0" smtClean="0"/>
+              <a:t>Email Address</a:t>
+            </a:r>
+            <a:endParaRPr lang="en-US" sz="1100" dirty="0"/>
+          </a:p>
+        </p:txBody>
+      </p:sp>
+      <p:sp>
+        <p:nvSpPr>
+          <p:cNvPr id="6" name="Rectangle 5"/>
+          <p:cNvSpPr/>
+          <p:nvPr/>
+        </p:nvSpPr>
+        <p:spPr>
+          <a:xfrm>
+            <a:off x="2326150" y="3817696"/>
+            <a:ext cx="1927151" cy="261610"/>
+          </a:xfrm>
+          <a:prstGeom prst="rect">
+            <a:avLst/>
+          </a:prstGeom>
+          <a:noFill/>
+          <a:ln>
+            <a:solidFill>
+              <a:schemeClr val="bg1">
+                <a:lumMod val="50000"/>
+              </a:schemeClr>
+            </a:solidFill>
+          </a:ln>
+        </p:spPr>
+        <p:style>
+          <a:lnRef idx="1">
+            <a:schemeClr val="accent1"/>
+          </a:lnRef>
+          <a:fillRef idx="3">
+            <a:schemeClr val="accent1"/>
+          </a:fillRef>
+          <a:effectRef idx="2">
+            <a:schemeClr val="accent1"/>
+          </a:effectRef>
+          <a:fontRef idx="minor">
+            <a:schemeClr val="lt1"/>
+          </a:fontRef>
+        </p:style>
+        <p:txBody>
+          <a:bodyPr rtlCol="0" anchor="ctr"/>
+          <a:lstStyle/>
+          <a:p>
+            <a:pPr algn="ctr"/>
+            <a:endParaRPr lang="en-US"/>
+          </a:p>
+        </p:txBody>
+      </p:sp>
+      <p:sp>
+        <p:nvSpPr>
+          <p:cNvPr id="14" name="Rectangle 13"/>
+          <p:cNvSpPr/>
+          <p:nvPr/>
+        </p:nvSpPr>
+        <p:spPr>
+          <a:xfrm>
+            <a:off x="2218178" y="4302604"/>
+            <a:ext cx="1437883" cy="330970"/>
+          </a:xfrm>
+          <a:prstGeom prst="rect">
+            <a:avLst/>
+          </a:prstGeom>
+        </p:spPr>
+        <p:style>
+          <a:lnRef idx="1">
+            <a:schemeClr val="accent1"/>
+          </a:lnRef>
+          <a:fillRef idx="3">
+            <a:schemeClr val="accent1"/>
+          </a:fillRef>
+          <a:effectRef idx="2">
+            <a:schemeClr val="accent1"/>
+          </a:effectRef>
+          <a:fontRef idx="minor">
+            <a:schemeClr val="lt1"/>
+          </a:fontRef>
+        </p:style>
+        <p:txBody>
+          <a:bodyPr rtlCol="0" anchor="ctr"/>
+          <a:lstStyle/>
+          <a:p>
+            <a:pPr algn="ctr"/>
+            <a:r>
+              <a:rPr lang="en-US" sz="1200" dirty="0" smtClean="0"/>
+              <a:t>Reset My Password</a:t>
+            </a:r>
+            <a:endParaRPr lang="en-US" sz="1200" dirty="0"/>
+          </a:p>
+        </p:txBody>
+      </p:sp>
+      <p:sp>
+        <p:nvSpPr>
+          <p:cNvPr id="18" name="TextBox 17"/>
+          <p:cNvSpPr txBox="1"/>
+          <p:nvPr/>
+        </p:nvSpPr>
+        <p:spPr>
+          <a:xfrm>
+            <a:off x="1513134" y="3347924"/>
+            <a:ext cx="3557384" cy="261610"/>
+          </a:xfrm>
+          <a:prstGeom prst="rect">
+            <a:avLst/>
+          </a:prstGeom>
+          <a:noFill/>
+        </p:spPr>
+        <p:txBody>
+          <a:bodyPr wrap="none" rtlCol="0">
+            <a:spAutoFit/>
+          </a:bodyPr>
+          <a:lstStyle/>
+          <a:p>
+            <a:pPr algn="ctr"/>
+            <a:r>
+              <a:rPr lang="en-US" sz="1100" dirty="0" smtClean="0"/>
+              <a:t>We will email you instructions for resetting your password.</a:t>
+            </a:r>
+            <a:endParaRPr lang="en-US" sz="1100" dirty="0"/>
+          </a:p>
+        </p:txBody>
+      </p:sp>
+      <p:sp>
+        <p:nvSpPr>
+          <p:cNvPr id="19" name="TextBox 18"/>
+          <p:cNvSpPr txBox="1"/>
+          <p:nvPr/>
+        </p:nvSpPr>
+        <p:spPr>
+          <a:xfrm>
+            <a:off x="2420772" y="3009370"/>
+            <a:ext cx="1526580" cy="338554"/>
+          </a:xfrm>
+          <a:prstGeom prst="rect">
+            <a:avLst/>
+          </a:prstGeom>
+          <a:noFill/>
+        </p:spPr>
+        <p:txBody>
+          <a:bodyPr wrap="none" rtlCol="0">
+            <a:spAutoFit/>
+          </a:bodyPr>
+          <a:lstStyle/>
+          <a:p>
+            <a:pPr algn="ctr"/>
+            <a:r>
+              <a:rPr lang="en-US" sz="1600" b="1" dirty="0" smtClean="0"/>
+              <a:t>Reset Password</a:t>
+            </a:r>
+            <a:endParaRPr lang="en-US" sz="1600" b="1" dirty="0"/>
+          </a:p>
+        </p:txBody>
+      </p:sp>
+      <p:sp>
+        <p:nvSpPr>
+          <p:cNvPr id="20" name="TextBox 19"/>
+          <p:cNvSpPr txBox="1"/>
+          <p:nvPr/>
+        </p:nvSpPr>
+        <p:spPr>
+          <a:xfrm>
+            <a:off x="3813034" y="4316371"/>
+            <a:ext cx="1140776" cy="261610"/>
+          </a:xfrm>
+          <a:prstGeom prst="rect">
+            <a:avLst/>
+          </a:prstGeom>
+          <a:noFill/>
+        </p:spPr>
+        <p:txBody>
+          <a:bodyPr wrap="none" rtlCol="0">
+            <a:spAutoFit/>
+          </a:bodyPr>
+          <a:lstStyle/>
+          <a:p>
+            <a:r>
+              <a:rPr lang="en-US" sz="1100" dirty="0" smtClean="0"/>
+              <a:t>Return to Sign In</a:t>
+            </a:r>
+            <a:endParaRPr lang="en-US" sz="1100" dirty="0"/>
+          </a:p>
+        </p:txBody>
+      </p:sp>
+    </p:spTree>
+    <p:extLst>
+      <p:ext uri="{BB962C8B-B14F-4D97-AF65-F5344CB8AC3E}">
+        <p14:creationId xmlns:p14="http://schemas.microsoft.com/office/powerpoint/2010/main" val="1548389621"/>
+      </p:ext>
+    </p:extLst>
+  </p:cSld>
+  <p:clrMapOvr>
+    <a:masterClrMapping/>
+  </p:clrMapOvr>
+</p:sld>
+</file>
+
+<file path=ppt/slides/slide11.xml><?xml version="1.0" encoding="utf-8"?>
+<p:sld xmlns:a="http://schemas.openxmlformats.org/drawingml/2006/main" xmlns:r="http://schemas.openxmlformats.org/officeDocument/2006/relationships" xmlns:p="http://schemas.openxmlformats.org/presentationml/2006/main">
+  <p:cSld>
+    <p:spTree>
+      <p:nvGrpSpPr>
+        <p:cNvPr id="1" name=""/>
+        <p:cNvGrpSpPr/>
+        <p:nvPr/>
+      </p:nvGrpSpPr>
+      <p:grpSpPr>
+        <a:xfrm>
+          <a:off x="0" y="0"/>
+          <a:ext cx="0" cy="0"/>
+          <a:chOff x="0" y="0"/>
+          <a:chExt cx="0" cy="0"/>
+        </a:xfrm>
+      </p:grpSpPr>
+      <p:sp>
+        <p:nvSpPr>
+          <p:cNvPr id="2" name="Rectangle 1"/>
+          <p:cNvSpPr/>
+          <p:nvPr/>
+        </p:nvSpPr>
+        <p:spPr>
+          <a:xfrm>
+            <a:off x="447102" y="1924243"/>
+            <a:ext cx="5621203" cy="654242"/>
+          </a:xfrm>
+          <a:prstGeom prst="rect">
+            <a:avLst/>
+          </a:prstGeom>
+          <a:noFill/>
+          <a:ln>
+            <a:solidFill>
+              <a:schemeClr val="bg1">
+                <a:lumMod val="50000"/>
+              </a:schemeClr>
+            </a:solidFill>
+          </a:ln>
+        </p:spPr>
+        <p:style>
+          <a:lnRef idx="1">
+            <a:schemeClr val="accent1"/>
+          </a:lnRef>
+          <a:fillRef idx="3">
+            <a:schemeClr val="accent1"/>
+          </a:fillRef>
+          <a:effectRef idx="2">
+            <a:schemeClr val="accent1"/>
+          </a:effectRef>
+          <a:fontRef idx="minor">
+            <a:schemeClr val="lt1"/>
+          </a:fontRef>
+        </p:style>
+        <p:txBody>
+          <a:bodyPr rtlCol="0" anchor="ctr"/>
+          <a:lstStyle/>
+          <a:p>
+            <a:pPr algn="ctr"/>
+            <a:r>
+              <a:rPr lang="en-US" dirty="0" smtClean="0">
+                <a:solidFill>
+                  <a:schemeClr val="tx1"/>
+                </a:solidFill>
+              </a:rPr>
+              <a:t>Header</a:t>
+            </a:r>
+            <a:endParaRPr lang="en-US" dirty="0">
+              <a:solidFill>
+                <a:schemeClr val="tx1"/>
+              </a:solidFill>
+            </a:endParaRPr>
+          </a:p>
+        </p:txBody>
+      </p:sp>
+      <p:sp>
+        <p:nvSpPr>
+          <p:cNvPr id="3" name="Rectangle 2"/>
+          <p:cNvSpPr/>
+          <p:nvPr/>
+        </p:nvSpPr>
+        <p:spPr>
+          <a:xfrm>
+            <a:off x="447102" y="6040598"/>
+            <a:ext cx="5621203" cy="654242"/>
+          </a:xfrm>
+          <a:prstGeom prst="rect">
+            <a:avLst/>
+          </a:prstGeom>
+          <a:noFill/>
+          <a:ln>
+            <a:solidFill>
+              <a:schemeClr val="bg1">
+                <a:lumMod val="50000"/>
+              </a:schemeClr>
+            </a:solidFill>
+          </a:ln>
+        </p:spPr>
+        <p:style>
+          <a:lnRef idx="1">
+            <a:schemeClr val="accent1"/>
+          </a:lnRef>
+          <a:fillRef idx="3">
+            <a:schemeClr val="accent1"/>
+          </a:fillRef>
+          <a:effectRef idx="2">
+            <a:schemeClr val="accent1"/>
+          </a:effectRef>
+          <a:fontRef idx="minor">
+            <a:schemeClr val="lt1"/>
+          </a:fontRef>
+        </p:style>
+        <p:txBody>
+          <a:bodyPr rtlCol="0" anchor="ctr"/>
+          <a:lstStyle/>
+          <a:p>
+            <a:pPr algn="ctr"/>
+            <a:r>
+              <a:rPr lang="en-US" dirty="0" smtClean="0">
+                <a:solidFill>
+                  <a:schemeClr val="tx1"/>
+                </a:solidFill>
+              </a:rPr>
+              <a:t>Footer</a:t>
+            </a:r>
+            <a:endParaRPr lang="en-US" dirty="0">
+              <a:solidFill>
+                <a:schemeClr val="tx1"/>
+              </a:solidFill>
+            </a:endParaRPr>
+          </a:p>
+        </p:txBody>
+      </p:sp>
+      <p:sp>
+        <p:nvSpPr>
+          <p:cNvPr id="4" name="TextBox 3"/>
+          <p:cNvSpPr txBox="1"/>
+          <p:nvPr/>
+        </p:nvSpPr>
+        <p:spPr>
+          <a:xfrm>
+            <a:off x="1185333" y="1346970"/>
+            <a:ext cx="1097977" cy="369332"/>
+          </a:xfrm>
+          <a:prstGeom prst="rect">
+            <a:avLst/>
+          </a:prstGeom>
+          <a:noFill/>
+        </p:spPr>
+        <p:txBody>
+          <a:bodyPr wrap="none" rtlCol="0">
+            <a:spAutoFit/>
+          </a:bodyPr>
+          <a:lstStyle/>
+          <a:p>
+            <a:r>
+              <a:rPr lang="en-US" i="1" dirty="0" smtClean="0"/>
+              <a:t>About Us</a:t>
+            </a:r>
+            <a:endParaRPr lang="en-US" i="1" dirty="0"/>
+          </a:p>
+        </p:txBody>
+      </p:sp>
+      <p:sp>
+        <p:nvSpPr>
+          <p:cNvPr id="14" name="TextBox 13"/>
+          <p:cNvSpPr txBox="1"/>
+          <p:nvPr/>
+        </p:nvSpPr>
+        <p:spPr>
+          <a:xfrm>
+            <a:off x="2391750" y="3375961"/>
+            <a:ext cx="1439366" cy="261610"/>
+          </a:xfrm>
+          <a:prstGeom prst="rect">
+            <a:avLst/>
+          </a:prstGeom>
+          <a:noFill/>
+        </p:spPr>
+        <p:txBody>
+          <a:bodyPr wrap="none" rtlCol="0">
+            <a:spAutoFit/>
+          </a:bodyPr>
+          <a:lstStyle/>
+          <a:p>
+            <a:r>
+              <a:rPr lang="en-US" sz="1100" dirty="0" smtClean="0"/>
+              <a:t>We are blah blah blah</a:t>
+            </a:r>
+            <a:endParaRPr lang="en-US" sz="1100" dirty="0"/>
+          </a:p>
+        </p:txBody>
+      </p:sp>
+      <p:sp>
+        <p:nvSpPr>
+          <p:cNvPr id="15" name="TextBox 14"/>
+          <p:cNvSpPr txBox="1"/>
+          <p:nvPr/>
+        </p:nvSpPr>
+        <p:spPr>
+          <a:xfrm>
+            <a:off x="2321084" y="2971594"/>
+            <a:ext cx="1101584" cy="338554"/>
+          </a:xfrm>
+          <a:prstGeom prst="rect">
+            <a:avLst/>
+          </a:prstGeom>
+          <a:noFill/>
+        </p:spPr>
+        <p:txBody>
+          <a:bodyPr wrap="none" rtlCol="0">
+            <a:spAutoFit/>
+          </a:bodyPr>
+          <a:lstStyle/>
+          <a:p>
+            <a:r>
+              <a:rPr lang="en-US" sz="1600" b="1" dirty="0" smtClean="0"/>
+              <a:t>Highlight 1</a:t>
+            </a:r>
+            <a:endParaRPr lang="en-US" sz="1600" b="1" dirty="0"/>
+          </a:p>
+        </p:txBody>
+      </p:sp>
+      <p:sp>
+        <p:nvSpPr>
+          <p:cNvPr id="16" name="TextBox 15"/>
+          <p:cNvSpPr txBox="1"/>
+          <p:nvPr/>
+        </p:nvSpPr>
+        <p:spPr>
+          <a:xfrm>
+            <a:off x="2393143" y="4305726"/>
+            <a:ext cx="1439366" cy="261610"/>
+          </a:xfrm>
+          <a:prstGeom prst="rect">
+            <a:avLst/>
+          </a:prstGeom>
+          <a:noFill/>
+        </p:spPr>
+        <p:txBody>
+          <a:bodyPr wrap="none" rtlCol="0">
+            <a:spAutoFit/>
+          </a:bodyPr>
+          <a:lstStyle/>
+          <a:p>
+            <a:r>
+              <a:rPr lang="en-US" sz="1100" dirty="0" smtClean="0"/>
+              <a:t>We are blah blah blah</a:t>
+            </a:r>
+            <a:endParaRPr lang="en-US" sz="1100" dirty="0"/>
+          </a:p>
+        </p:txBody>
+      </p:sp>
+      <p:sp>
+        <p:nvSpPr>
+          <p:cNvPr id="17" name="TextBox 16"/>
+          <p:cNvSpPr txBox="1"/>
+          <p:nvPr/>
+        </p:nvSpPr>
+        <p:spPr>
+          <a:xfrm>
+            <a:off x="2322477" y="3901359"/>
+            <a:ext cx="1101584" cy="338554"/>
+          </a:xfrm>
+          <a:prstGeom prst="rect">
+            <a:avLst/>
+          </a:prstGeom>
+          <a:noFill/>
+        </p:spPr>
+        <p:txBody>
+          <a:bodyPr wrap="none" rtlCol="0">
+            <a:spAutoFit/>
+          </a:bodyPr>
+          <a:lstStyle/>
+          <a:p>
+            <a:r>
+              <a:rPr lang="en-US" sz="1600" b="1" dirty="0" smtClean="0"/>
+              <a:t>Highlight 2</a:t>
+            </a:r>
+            <a:endParaRPr lang="en-US" sz="1600" b="1" dirty="0"/>
+          </a:p>
+        </p:txBody>
+      </p:sp>
+      <p:sp>
+        <p:nvSpPr>
+          <p:cNvPr id="18" name="TextBox 17"/>
+          <p:cNvSpPr txBox="1"/>
+          <p:nvPr/>
+        </p:nvSpPr>
+        <p:spPr>
+          <a:xfrm>
+            <a:off x="2393143" y="5227822"/>
+            <a:ext cx="1439366" cy="261610"/>
+          </a:xfrm>
+          <a:prstGeom prst="rect">
+            <a:avLst/>
+          </a:prstGeom>
+          <a:noFill/>
+        </p:spPr>
+        <p:txBody>
+          <a:bodyPr wrap="none" rtlCol="0">
+            <a:spAutoFit/>
+          </a:bodyPr>
+          <a:lstStyle/>
+          <a:p>
+            <a:r>
+              <a:rPr lang="en-US" sz="1100" dirty="0" smtClean="0"/>
+              <a:t>We are blah blah blah</a:t>
+            </a:r>
+            <a:endParaRPr lang="en-US" sz="1100" dirty="0"/>
+          </a:p>
+        </p:txBody>
+      </p:sp>
+      <p:sp>
+        <p:nvSpPr>
+          <p:cNvPr id="19" name="TextBox 18"/>
+          <p:cNvSpPr txBox="1"/>
+          <p:nvPr/>
+        </p:nvSpPr>
+        <p:spPr>
+          <a:xfrm>
+            <a:off x="2322477" y="4823455"/>
+            <a:ext cx="1101584" cy="338554"/>
+          </a:xfrm>
+          <a:prstGeom prst="rect">
+            <a:avLst/>
+          </a:prstGeom>
+          <a:noFill/>
+        </p:spPr>
+        <p:txBody>
+          <a:bodyPr wrap="none" rtlCol="0">
+            <a:spAutoFit/>
+          </a:bodyPr>
+          <a:lstStyle/>
+          <a:p>
+            <a:r>
+              <a:rPr lang="en-US" sz="1600" b="1" dirty="0" smtClean="0"/>
+              <a:t>Highlight 3</a:t>
+            </a:r>
+            <a:endParaRPr lang="en-US" sz="1600" b="1" dirty="0"/>
+          </a:p>
+        </p:txBody>
+      </p:sp>
+    </p:spTree>
+    <p:extLst>
+      <p:ext uri="{BB962C8B-B14F-4D97-AF65-F5344CB8AC3E}">
+        <p14:creationId xmlns:p14="http://schemas.microsoft.com/office/powerpoint/2010/main" val="2498004802"/>
+      </p:ext>
+    </p:extLst>
+  </p:cSld>
+  <p:clrMapOvr>
+    <a:masterClrMapping/>
+  </p:clrMapOvr>
+</p:sld>
+</file>
+
+<file path=ppt/slides/slide12.xml><?xml version="1.0" encoding="utf-8"?>
+<p:sld xmlns:a="http://schemas.openxmlformats.org/drawingml/2006/main" xmlns:r="http://schemas.openxmlformats.org/officeDocument/2006/relationships" xmlns:p="http://schemas.openxmlformats.org/presentationml/2006/main">
+  <p:cSld>
+    <p:spTree>
+      <p:nvGrpSpPr>
+        <p:cNvPr id="1" name=""/>
+        <p:cNvGrpSpPr/>
+        <p:nvPr/>
+      </p:nvGrpSpPr>
+      <p:grpSpPr>
+        <a:xfrm>
+          <a:off x="0" y="0"/>
+          <a:ext cx="0" cy="0"/>
+          <a:chOff x="0" y="0"/>
+          <a:chExt cx="0" cy="0"/>
+        </a:xfrm>
+      </p:grpSpPr>
+      <p:sp>
+        <p:nvSpPr>
+          <p:cNvPr id="2" name="Rectangle 1"/>
+          <p:cNvSpPr/>
+          <p:nvPr/>
+        </p:nvSpPr>
+        <p:spPr>
+          <a:xfrm>
+            <a:off x="447102" y="1924243"/>
+            <a:ext cx="5621203" cy="654242"/>
+          </a:xfrm>
+          <a:prstGeom prst="rect">
+            <a:avLst/>
+          </a:prstGeom>
+          <a:noFill/>
+          <a:ln>
+            <a:solidFill>
+              <a:schemeClr val="bg1">
+                <a:lumMod val="50000"/>
+              </a:schemeClr>
+            </a:solidFill>
+          </a:ln>
+        </p:spPr>
+        <p:style>
+          <a:lnRef idx="1">
+            <a:schemeClr val="accent1"/>
+          </a:lnRef>
+          <a:fillRef idx="3">
+            <a:schemeClr val="accent1"/>
+          </a:fillRef>
+          <a:effectRef idx="2">
+            <a:schemeClr val="accent1"/>
+          </a:effectRef>
+          <a:fontRef idx="minor">
+            <a:schemeClr val="lt1"/>
+          </a:fontRef>
+        </p:style>
+        <p:txBody>
+          <a:bodyPr rtlCol="0" anchor="ctr"/>
+          <a:lstStyle/>
+          <a:p>
+            <a:pPr algn="ctr"/>
+            <a:r>
+              <a:rPr lang="en-US" dirty="0" smtClean="0">
+                <a:solidFill>
+                  <a:schemeClr val="tx1"/>
+                </a:solidFill>
+              </a:rPr>
+              <a:t>Header</a:t>
+            </a:r>
+            <a:endParaRPr lang="en-US" dirty="0">
+              <a:solidFill>
+                <a:schemeClr val="tx1"/>
+              </a:solidFill>
+            </a:endParaRPr>
+          </a:p>
+        </p:txBody>
+      </p:sp>
+      <p:sp>
+        <p:nvSpPr>
+          <p:cNvPr id="3" name="Rectangle 2"/>
+          <p:cNvSpPr/>
+          <p:nvPr/>
+        </p:nvSpPr>
+        <p:spPr>
+          <a:xfrm>
+            <a:off x="447102" y="6040598"/>
+            <a:ext cx="5621203" cy="654242"/>
+          </a:xfrm>
+          <a:prstGeom prst="rect">
+            <a:avLst/>
+          </a:prstGeom>
+          <a:noFill/>
+          <a:ln>
+            <a:solidFill>
+              <a:schemeClr val="bg1">
+                <a:lumMod val="50000"/>
+              </a:schemeClr>
+            </a:solidFill>
+          </a:ln>
+        </p:spPr>
+        <p:style>
+          <a:lnRef idx="1">
+            <a:schemeClr val="accent1"/>
+          </a:lnRef>
+          <a:fillRef idx="3">
+            <a:schemeClr val="accent1"/>
+          </a:fillRef>
+          <a:effectRef idx="2">
+            <a:schemeClr val="accent1"/>
+          </a:effectRef>
+          <a:fontRef idx="minor">
+            <a:schemeClr val="lt1"/>
+          </a:fontRef>
+        </p:style>
+        <p:txBody>
+          <a:bodyPr rtlCol="0" anchor="ctr"/>
+          <a:lstStyle/>
+          <a:p>
+            <a:pPr algn="ctr"/>
+            <a:r>
+              <a:rPr lang="en-US" dirty="0" smtClean="0">
+                <a:solidFill>
+                  <a:schemeClr val="tx1"/>
+                </a:solidFill>
+              </a:rPr>
+              <a:t>Footer</a:t>
+            </a:r>
+            <a:endParaRPr lang="en-US" dirty="0">
+              <a:solidFill>
+                <a:schemeClr val="tx1"/>
+              </a:solidFill>
+            </a:endParaRPr>
+          </a:p>
+        </p:txBody>
+      </p:sp>
+      <p:sp>
+        <p:nvSpPr>
+          <p:cNvPr id="4" name="TextBox 3"/>
+          <p:cNvSpPr txBox="1"/>
+          <p:nvPr/>
+        </p:nvSpPr>
+        <p:spPr>
+          <a:xfrm>
+            <a:off x="1185333" y="1346970"/>
             <a:ext cx="1258365" cy="369332"/>
           </a:xfrm>
           <a:prstGeom prst="rect">
@@ -5311,10 +6086,18 @@
           <a:lstStyle/>
           <a:p>
             <a:r>
-              <a:rPr lang="en-US" i="1" dirty="0" smtClean="0"/>
+              <a:rPr lang="en-US" i="1" dirty="0" smtClean="0">
+                <a:solidFill>
+                  <a:srgbClr val="FF0000"/>
+                </a:solidFill>
+              </a:rPr>
               <a:t>Home Screen</a:t>
             </a:r>
-            <a:endParaRPr lang="en-US" i="1" dirty="0"/>
+            <a:endParaRPr lang="en-US" i="1" dirty="0">
+              <a:solidFill>
+                <a:srgbClr val="FF0000"/>
+              </a:solidFill>
+            </a:endParaRPr>
           </a:p>
         </p:txBody>
       </p:sp>
@@ -5364,7 +6147,7 @@
         </p:blipFill>
         <p:spPr>
           <a:xfrm>
-            <a:off x="447102" y="1542658"/>
+            <a:off x="447102" y="1894342"/>
             <a:ext cx="1270794" cy="1904370"/>
           </a:xfrm>
           <a:prstGeom prst="rect">
@@ -5380,7 +6163,7 @@
         </p:nvSpPr>
         <p:spPr>
           <a:xfrm>
-            <a:off x="447102" y="3462422"/>
+            <a:off x="447102" y="3814106"/>
             <a:ext cx="1299605" cy="461665"/>
           </a:xfrm>
           <a:prstGeom prst="rect">
@@ -5446,7 +6229,7 @@
         </p:blipFill>
         <p:spPr>
           <a:xfrm>
-            <a:off x="1896678" y="1542658"/>
+            <a:off x="1896678" y="1894342"/>
             <a:ext cx="1270794" cy="1904370"/>
           </a:xfrm>
           <a:prstGeom prst="rect">
@@ -5462,7 +6245,7 @@
         </p:nvSpPr>
         <p:spPr>
           <a:xfrm>
-            <a:off x="1896678" y="3462422"/>
+            <a:off x="1896678" y="3814106"/>
             <a:ext cx="1056925" cy="461665"/>
           </a:xfrm>
           <a:prstGeom prst="rect">
@@ -5516,7 +6299,7 @@
         </p:blipFill>
         <p:spPr>
           <a:xfrm>
-            <a:off x="3390286" y="1542658"/>
+            <a:off x="3390286" y="1894342"/>
             <a:ext cx="1270794" cy="1904370"/>
           </a:xfrm>
           <a:prstGeom prst="rect">
@@ -5532,7 +6315,7 @@
         </p:nvSpPr>
         <p:spPr>
           <a:xfrm>
-            <a:off x="3390286" y="3462422"/>
+            <a:off x="3390286" y="3814106"/>
             <a:ext cx="1364476" cy="461665"/>
           </a:xfrm>
           <a:prstGeom prst="rect">
@@ -5590,7 +6373,7 @@
         </p:blipFill>
         <p:spPr>
           <a:xfrm>
-            <a:off x="4813480" y="1542658"/>
+            <a:off x="4813480" y="1894342"/>
             <a:ext cx="1270794" cy="1904370"/>
           </a:xfrm>
           <a:prstGeom prst="rect">
@@ -5606,7 +6389,7 @@
         </p:nvSpPr>
         <p:spPr>
           <a:xfrm>
-            <a:off x="4813480" y="3462422"/>
+            <a:off x="4813480" y="3814106"/>
             <a:ext cx="1351652" cy="461665"/>
           </a:xfrm>
           <a:prstGeom prst="rect">
@@ -5641,54 +6424,6 @@
                 <a:srgbClr val="FF0000"/>
               </a:solidFill>
             </a:endParaRPr>
-          </a:p>
-        </p:txBody>
-      </p:sp>
-      <p:sp>
-        <p:nvSpPr>
-          <p:cNvPr id="26" name="TextBox 25"/>
-          <p:cNvSpPr txBox="1"/>
-          <p:nvPr/>
-        </p:nvSpPr>
-        <p:spPr>
-          <a:xfrm>
-            <a:off x="1988425" y="3920018"/>
-            <a:ext cx="1494303" cy="523220"/>
-          </a:xfrm>
-          <a:prstGeom prst="rect">
-            <a:avLst/>
-          </a:prstGeom>
-          <a:noFill/>
-        </p:spPr>
-        <p:txBody>
-          <a:bodyPr wrap="none" rtlCol="0">
-            <a:spAutoFit/>
-          </a:bodyPr>
-          <a:lstStyle/>
-          <a:p>
-            <a:r>
-              <a:rPr lang="en-US" sz="700" i="1" dirty="0" smtClean="0"/>
-              <a:t>Price is bold and biggest</a:t>
-            </a:r>
-          </a:p>
-          <a:p>
-            <a:r>
-              <a:rPr lang="en-US" sz="700" i="1" dirty="0" smtClean="0"/>
-              <a:t>Price is red when product is on sale</a:t>
-            </a:r>
-          </a:p>
-          <a:p>
-            <a:r>
-              <a:rPr lang="en-US" sz="700" i="1" dirty="0" smtClean="0"/>
-              <a:t>Brand name is next biggest</a:t>
-            </a:r>
-          </a:p>
-          <a:p>
-            <a:r>
-              <a:rPr lang="en-US" sz="700" i="1" dirty="0" smtClean="0"/>
-              <a:t>Product name is smallest</a:t>
-            </a:r>
-            <a:endParaRPr lang="en-US" sz="700" i="1" dirty="0"/>
           </a:p>
         </p:txBody>
       </p:sp>
@@ -5702,7 +6437,7 @@
         </p:nvCxnSpPr>
         <p:spPr>
           <a:xfrm flipH="1" flipV="1">
-            <a:off x="1151291" y="3920019"/>
+            <a:off x="1151291" y="4271703"/>
             <a:ext cx="837134" cy="261609"/>
           </a:xfrm>
           <a:prstGeom prst="straightConnector1">
@@ -6497,10 +7232,104 @@
           <a:lstStyle/>
           <a:p>
             <a:r>
-              <a:rPr lang="en-US" i="1" dirty="0" smtClean="0"/>
+              <a:rPr lang="en-US" i="1" dirty="0" smtClean="0">
+                <a:solidFill>
+                  <a:srgbClr val="FF0000"/>
+                </a:solidFill>
+              </a:rPr>
               <a:t>Category or Brand Screen</a:t>
             </a:r>
-            <a:endParaRPr lang="en-US" i="1" dirty="0"/>
+            <a:endParaRPr lang="en-US" i="1" dirty="0">
+              <a:solidFill>
+                <a:srgbClr val="FF0000"/>
+              </a:solidFill>
+            </a:endParaRPr>
+          </a:p>
+        </p:txBody>
+      </p:sp>
+      <p:sp>
+        <p:nvSpPr>
+          <p:cNvPr id="36" name="TextBox 35"/>
+          <p:cNvSpPr txBox="1"/>
+          <p:nvPr/>
+        </p:nvSpPr>
+        <p:spPr>
+          <a:xfrm>
+            <a:off x="466571" y="1411448"/>
+            <a:ext cx="2352427" cy="338554"/>
+          </a:xfrm>
+          <a:prstGeom prst="rect">
+            <a:avLst/>
+          </a:prstGeom>
+          <a:noFill/>
+        </p:spPr>
+        <p:txBody>
+          <a:bodyPr wrap="none" rtlCol="0">
+            <a:spAutoFit/>
+          </a:bodyPr>
+          <a:lstStyle/>
+          <a:p>
+            <a:r>
+              <a:rPr lang="en-US" sz="1600" dirty="0" smtClean="0"/>
+              <a:t>Clothing – Anthropologies</a:t>
+            </a:r>
+            <a:endParaRPr lang="en-US" sz="1600" dirty="0"/>
+          </a:p>
+        </p:txBody>
+      </p:sp>
+      <p:sp>
+        <p:nvSpPr>
+          <p:cNvPr id="26" name="TextBox 25"/>
+          <p:cNvSpPr txBox="1"/>
+          <p:nvPr/>
+        </p:nvSpPr>
+        <p:spPr>
+          <a:xfrm>
+            <a:off x="1988425" y="4271702"/>
+            <a:ext cx="1494303" cy="523220"/>
+          </a:xfrm>
+          <a:prstGeom prst="rect">
+            <a:avLst/>
+          </a:prstGeom>
+          <a:noFill/>
+        </p:spPr>
+        <p:txBody>
+          <a:bodyPr wrap="none" rtlCol="0">
+            <a:spAutoFit/>
+          </a:bodyPr>
+          <a:lstStyle/>
+          <a:p>
+            <a:r>
+              <a:rPr lang="en-US" sz="700" i="1" dirty="0" smtClean="0"/>
+              <a:t>Price is </a:t>
+            </a:r>
+            <a:r>
+              <a:rPr lang="en-US" sz="700" i="1" dirty="0" smtClean="0"/>
+              <a:t>bold </a:t>
+            </a:r>
+            <a:r>
+              <a:rPr lang="en-US" sz="700" i="1" dirty="0" smtClean="0"/>
+              <a:t>and biggest</a:t>
+            </a:r>
+          </a:p>
+          <a:p>
+            <a:r>
+              <a:rPr lang="en-US" sz="700" i="1" dirty="0" smtClean="0"/>
+              <a:t>Price is red when product is on sale</a:t>
+            </a:r>
+          </a:p>
+          <a:p>
+            <a:r>
+              <a:rPr lang="en-US" sz="700" i="1" dirty="0" smtClean="0"/>
+              <a:t>Brand name is next biggest</a:t>
+            </a:r>
+          </a:p>
+          <a:p>
+            <a:r>
+              <a:rPr lang="en-US" sz="700" i="1" dirty="0" smtClean="0"/>
+              <a:t>Product name is smallest</a:t>
+            </a:r>
+            <a:endParaRPr lang="en-US" sz="700" i="1" dirty="0"/>
           </a:p>
         </p:txBody>
       </p:sp>
@@ -6536,19 +7365,18 @@
       </p:grpSpPr>
       <p:sp>
         <p:nvSpPr>
-          <p:cNvPr id="2" name="Rectangle 1"/>
+          <p:cNvPr id="44" name="Rectangle 43"/>
           <p:cNvSpPr/>
           <p:nvPr/>
         </p:nvSpPr>
         <p:spPr>
           <a:xfrm>
-            <a:off x="1263550" y="3207284"/>
-            <a:ext cx="4056321" cy="2481597"/>
-          </a:xfrm>
-          <a:prstGeom prst="rect">
-            <a:avLst/>
-          </a:prstGeom>
-          <a:noFill/>
+            <a:off x="428557" y="7601464"/>
+            <a:ext cx="5598029" cy="543491"/>
+          </a:xfrm>
+          <a:prstGeom prst="rect">
+            <a:avLst/>
+          </a:prstGeom>
         </p:spPr>
         <p:style>
           <a:lnRef idx="1">
@@ -6573,716 +7401,21 @@
           </a:p>
         </p:txBody>
       </p:sp>
-      <p:pic>
-        <p:nvPicPr>
-          <p:cNvPr id="36" name="Picture 35"/>
-          <p:cNvPicPr>
-            <a:picLocks noChangeAspect="1"/>
-          </p:cNvPicPr>
-          <p:nvPr/>
-        </p:nvPicPr>
-        <p:blipFill>
-          <a:blip r:embed="rId2"/>
-          <a:stretch>
-            <a:fillRect/>
-          </a:stretch>
-        </p:blipFill>
-        <p:spPr>
-          <a:xfrm>
-            <a:off x="1438907" y="3371756"/>
-            <a:ext cx="1399221" cy="2096826"/>
-          </a:xfrm>
-          <a:prstGeom prst="rect">
-            <a:avLst/>
-          </a:prstGeom>
-        </p:spPr>
-      </p:pic>
-      <p:sp>
-        <p:nvSpPr>
-          <p:cNvPr id="37" name="TextBox 36"/>
-          <p:cNvSpPr txBox="1"/>
-          <p:nvPr/>
-        </p:nvSpPr>
-        <p:spPr>
-          <a:xfrm>
-            <a:off x="2973628" y="3472990"/>
-            <a:ext cx="787395" cy="353943"/>
-          </a:xfrm>
-          <a:prstGeom prst="rect">
-            <a:avLst/>
-          </a:prstGeom>
-          <a:noFill/>
-        </p:spPr>
-        <p:txBody>
-          <a:bodyPr wrap="none" rtlCol="0">
-            <a:spAutoFit/>
-          </a:bodyPr>
-          <a:lstStyle/>
-          <a:p>
-            <a:r>
-              <a:rPr lang="en-US" sz="900" dirty="0" smtClean="0"/>
-              <a:t>Brand Name</a:t>
-            </a:r>
-          </a:p>
-          <a:p>
-            <a:r>
-              <a:rPr lang="en-US" sz="800" dirty="0" smtClean="0"/>
-              <a:t>Product Name</a:t>
-            </a:r>
-            <a:endParaRPr lang="en-US" sz="1000" b="1" dirty="0">
-              <a:solidFill>
-                <a:srgbClr val="FF0000"/>
-              </a:solidFill>
-            </a:endParaRPr>
-          </a:p>
-        </p:txBody>
-      </p:sp>
-      <p:sp>
-        <p:nvSpPr>
-          <p:cNvPr id="52" name="TextBox 51"/>
-          <p:cNvSpPr txBox="1"/>
-          <p:nvPr/>
-        </p:nvSpPr>
-        <p:spPr>
-          <a:xfrm>
-            <a:off x="3402097" y="2806370"/>
-            <a:ext cx="1489920" cy="200055"/>
-          </a:xfrm>
-          <a:prstGeom prst="rect">
-            <a:avLst/>
-          </a:prstGeom>
-          <a:noFill/>
-        </p:spPr>
-        <p:txBody>
-          <a:bodyPr wrap="none" rtlCol="0">
-            <a:spAutoFit/>
-          </a:bodyPr>
-          <a:lstStyle/>
-          <a:p>
-            <a:r>
-              <a:rPr lang="en-US" sz="700" i="1" dirty="0" smtClean="0"/>
-              <a:t>This will show a balloon tooltip text</a:t>
-            </a:r>
-            <a:endParaRPr lang="en-US" sz="700" i="1" dirty="0"/>
-          </a:p>
-        </p:txBody>
-      </p:sp>
-      <p:cxnSp>
-        <p:nvCxnSpPr>
-          <p:cNvPr id="53" name="Straight Arrow Connector 52"/>
-          <p:cNvCxnSpPr/>
-          <p:nvPr/>
-        </p:nvCxnSpPr>
-        <p:spPr>
-          <a:xfrm>
-            <a:off x="4064742" y="2999945"/>
-            <a:ext cx="345291" cy="224527"/>
-          </a:xfrm>
-          <a:prstGeom prst="straightConnector1">
-            <a:avLst/>
-          </a:prstGeom>
-          <a:ln>
-            <a:solidFill>
-              <a:srgbClr val="4F81BD"/>
-            </a:solidFill>
-            <a:tailEnd type="triangle"/>
-          </a:ln>
-        </p:spPr>
-        <p:style>
-          <a:lnRef idx="2">
-            <a:schemeClr val="accent1"/>
-          </a:lnRef>
-          <a:fillRef idx="0">
-            <a:schemeClr val="accent1"/>
-          </a:fillRef>
-          <a:effectRef idx="1">
-            <a:schemeClr val="accent1"/>
-          </a:effectRef>
-          <a:fontRef idx="minor">
-            <a:schemeClr val="tx1"/>
-          </a:fontRef>
-        </p:style>
-      </p:cxnSp>
-      <p:sp>
-        <p:nvSpPr>
-          <p:cNvPr id="3" name="Rounded Rectangle 2"/>
+      <p:sp>
+        <p:nvSpPr>
+          <p:cNvPr id="49" name="Rectangle 48"/>
           <p:cNvSpPr/>
           <p:nvPr/>
         </p:nvSpPr>
         <p:spPr>
           <a:xfrm>
-            <a:off x="3136202" y="5177010"/>
-            <a:ext cx="583172" cy="226778"/>
-          </a:xfrm>
-          <a:prstGeom prst="roundRect">
-            <a:avLst/>
-          </a:prstGeom>
-        </p:spPr>
-        <p:style>
-          <a:lnRef idx="1">
-            <a:schemeClr val="accent1"/>
-          </a:lnRef>
-          <a:fillRef idx="3">
-            <a:schemeClr val="accent1"/>
-          </a:fillRef>
-          <a:effectRef idx="2">
-            <a:schemeClr val="accent1"/>
-          </a:effectRef>
-          <a:fontRef idx="minor">
-            <a:schemeClr val="lt1"/>
-          </a:fontRef>
-        </p:style>
-        <p:txBody>
-          <a:bodyPr rtlCol="0" anchor="ctr"/>
-          <a:lstStyle/>
-          <a:p>
-            <a:pPr algn="ctr"/>
-            <a:r>
-              <a:rPr lang="en-US" sz="1100" dirty="0" smtClean="0"/>
-              <a:t>Shop</a:t>
-            </a:r>
-            <a:endParaRPr lang="en-US" sz="1100" dirty="0"/>
-          </a:p>
-        </p:txBody>
-      </p:sp>
-      <p:sp>
-        <p:nvSpPr>
-          <p:cNvPr id="47" name="Rounded Rectangle 46"/>
-          <p:cNvSpPr/>
-          <p:nvPr/>
-        </p:nvSpPr>
-        <p:spPr>
-          <a:xfrm>
-            <a:off x="3936575" y="5177186"/>
-            <a:ext cx="1145894" cy="226778"/>
-          </a:xfrm>
-          <a:prstGeom prst="roundRect">
-            <a:avLst/>
-          </a:prstGeom>
-        </p:spPr>
-        <p:style>
-          <a:lnRef idx="1">
-            <a:schemeClr val="accent1"/>
-          </a:lnRef>
-          <a:fillRef idx="3">
-            <a:schemeClr val="accent1"/>
-          </a:fillRef>
-          <a:effectRef idx="2">
-            <a:schemeClr val="accent1"/>
-          </a:effectRef>
-          <a:fontRef idx="minor">
-            <a:schemeClr val="lt1"/>
-          </a:fontRef>
-        </p:style>
-        <p:txBody>
-          <a:bodyPr rtlCol="0" anchor="ctr"/>
-          <a:lstStyle/>
-          <a:p>
-            <a:pPr algn="ctr"/>
-            <a:r>
-              <a:rPr lang="en-US" sz="1100" dirty="0" smtClean="0"/>
-              <a:t>Add to My </a:t>
-            </a:r>
-            <a:r>
-              <a:rPr lang="en-US" sz="1100" dirty="0" err="1" smtClean="0"/>
-              <a:t>Favs</a:t>
-            </a:r>
-            <a:endParaRPr lang="en-US" sz="1100" dirty="0"/>
-          </a:p>
-        </p:txBody>
-      </p:sp>
-      <p:sp>
-        <p:nvSpPr>
-          <p:cNvPr id="9" name="TextBox 8"/>
-          <p:cNvSpPr txBox="1"/>
-          <p:nvPr/>
-        </p:nvSpPr>
-        <p:spPr>
-          <a:xfrm>
-            <a:off x="4200477" y="3209368"/>
-            <a:ext cx="620683" cy="215444"/>
-          </a:xfrm>
-          <a:prstGeom prst="rect">
-            <a:avLst/>
-          </a:prstGeom>
-          <a:noFill/>
-        </p:spPr>
-        <p:txBody>
-          <a:bodyPr wrap="none" rtlCol="0">
-            <a:spAutoFit/>
-          </a:bodyPr>
-          <a:lstStyle/>
-          <a:p>
-            <a:r>
-              <a:rPr lang="en-US" sz="800" u="sng" dirty="0" smtClean="0"/>
-              <a:t>Disclaimer</a:t>
-            </a:r>
-            <a:endParaRPr lang="en-US" sz="800" u="sng" dirty="0"/>
-          </a:p>
-        </p:txBody>
-      </p:sp>
-      <p:pic>
-        <p:nvPicPr>
-          <p:cNvPr id="15" name="Picture 14"/>
-          <p:cNvPicPr>
-            <a:picLocks noChangeAspect="1"/>
-          </p:cNvPicPr>
-          <p:nvPr/>
-        </p:nvPicPr>
-        <p:blipFill>
-          <a:blip r:embed="rId3"/>
-          <a:stretch>
-            <a:fillRect/>
-          </a:stretch>
-        </p:blipFill>
-        <p:spPr>
-          <a:xfrm>
-            <a:off x="5072528" y="3237255"/>
-            <a:ext cx="186581" cy="192412"/>
-          </a:xfrm>
-          <a:prstGeom prst="rect">
-            <a:avLst/>
-          </a:prstGeom>
-        </p:spPr>
-      </p:pic>
-      <p:sp>
-        <p:nvSpPr>
-          <p:cNvPr id="54" name="TextBox 53"/>
-          <p:cNvSpPr txBox="1"/>
-          <p:nvPr/>
-        </p:nvSpPr>
-        <p:spPr>
-          <a:xfrm>
-            <a:off x="3133085" y="4227648"/>
-            <a:ext cx="1137639" cy="646331"/>
-          </a:xfrm>
-          <a:prstGeom prst="rect">
-            <a:avLst/>
-          </a:prstGeom>
-          <a:noFill/>
-        </p:spPr>
-        <p:txBody>
-          <a:bodyPr wrap="none" rtlCol="0">
-            <a:spAutoFit/>
-          </a:bodyPr>
-          <a:lstStyle/>
-          <a:p>
-            <a:r>
-              <a:rPr lang="en-US" sz="900" b="1" dirty="0" smtClean="0">
-                <a:solidFill>
-                  <a:srgbClr val="FF0000"/>
-                </a:solidFill>
-              </a:rPr>
-              <a:t>$103.45 now (23%)</a:t>
-            </a:r>
-          </a:p>
-          <a:p>
-            <a:r>
-              <a:rPr lang="en-US" sz="900" b="1" dirty="0" smtClean="0"/>
-              <a:t>$123.45</a:t>
-            </a:r>
-          </a:p>
-          <a:p>
-            <a:r>
-              <a:rPr lang="en-US" sz="900" b="1" dirty="0">
-                <a:solidFill>
-                  <a:schemeClr val="bg1">
-                    <a:lumMod val="50000"/>
-                  </a:schemeClr>
-                </a:solidFill>
-              </a:rPr>
-              <a:t>$</a:t>
-            </a:r>
-            <a:r>
-              <a:rPr lang="en-US" sz="900" b="1" dirty="0" smtClean="0">
-                <a:solidFill>
-                  <a:schemeClr val="bg1">
-                    <a:lumMod val="50000"/>
-                  </a:schemeClr>
-                </a:solidFill>
-              </a:rPr>
-              <a:t>153.45</a:t>
-            </a:r>
-          </a:p>
-          <a:p>
-            <a:r>
-              <a:rPr lang="en-US" sz="900" b="1" dirty="0" smtClean="0">
-                <a:solidFill>
-                  <a:schemeClr val="bg1">
-                    <a:lumMod val="75000"/>
-                  </a:schemeClr>
-                </a:solidFill>
-              </a:rPr>
-              <a:t>$123.45</a:t>
-            </a:r>
-          </a:p>
-        </p:txBody>
-      </p:sp>
-      <p:sp>
-        <p:nvSpPr>
-          <p:cNvPr id="65" name="TextBox 64"/>
-          <p:cNvSpPr txBox="1"/>
-          <p:nvPr/>
-        </p:nvSpPr>
-        <p:spPr>
-          <a:xfrm>
-            <a:off x="2970571" y="3742214"/>
-            <a:ext cx="971446" cy="230832"/>
-          </a:xfrm>
-          <a:prstGeom prst="rect">
-            <a:avLst/>
-          </a:prstGeom>
-          <a:noFill/>
-        </p:spPr>
-        <p:txBody>
-          <a:bodyPr wrap="none" rtlCol="0">
-            <a:spAutoFit/>
-          </a:bodyPr>
-          <a:lstStyle/>
-          <a:p>
-            <a:r>
-              <a:rPr lang="en-US" sz="900" dirty="0" smtClean="0"/>
-              <a:t>Item No: 123456</a:t>
-            </a:r>
-          </a:p>
-        </p:txBody>
-      </p:sp>
-      <p:cxnSp>
-        <p:nvCxnSpPr>
-          <p:cNvPr id="66" name="Straight Arrow Connector 65"/>
-          <p:cNvCxnSpPr>
-            <a:stCxn id="67" idx="2"/>
-            <a:endCxn id="36" idx="0"/>
-          </p:cNvCxnSpPr>
-          <p:nvPr/>
-        </p:nvCxnSpPr>
-        <p:spPr>
-          <a:xfrm>
-            <a:off x="1886215" y="2906397"/>
-            <a:ext cx="252303" cy="465359"/>
-          </a:xfrm>
-          <a:prstGeom prst="straightConnector1">
-            <a:avLst/>
-          </a:prstGeom>
-          <a:ln>
-            <a:solidFill>
-              <a:srgbClr val="4F81BD"/>
-            </a:solidFill>
-            <a:tailEnd type="triangle"/>
-          </a:ln>
-        </p:spPr>
-        <p:style>
-          <a:lnRef idx="2">
-            <a:schemeClr val="accent1"/>
-          </a:lnRef>
-          <a:fillRef idx="0">
-            <a:schemeClr val="accent1"/>
-          </a:fillRef>
-          <a:effectRef idx="1">
-            <a:schemeClr val="accent1"/>
-          </a:effectRef>
-          <a:fontRef idx="minor">
-            <a:schemeClr val="tx1"/>
-          </a:fontRef>
-        </p:style>
-      </p:cxnSp>
-      <p:sp>
-        <p:nvSpPr>
-          <p:cNvPr id="67" name="TextBox 66"/>
-          <p:cNvSpPr txBox="1"/>
-          <p:nvPr/>
-        </p:nvSpPr>
-        <p:spPr>
-          <a:xfrm>
-            <a:off x="934301" y="2706342"/>
-            <a:ext cx="1903827" cy="200055"/>
-          </a:xfrm>
-          <a:prstGeom prst="rect">
-            <a:avLst/>
-          </a:prstGeom>
-          <a:noFill/>
-        </p:spPr>
-        <p:txBody>
-          <a:bodyPr wrap="none" rtlCol="0">
-            <a:spAutoFit/>
-          </a:bodyPr>
-          <a:lstStyle/>
-          <a:p>
-            <a:r>
-              <a:rPr lang="en-US" sz="700" i="1" dirty="0" smtClean="0"/>
-              <a:t>Show image bigger than the one in product list</a:t>
-            </a:r>
-            <a:endParaRPr lang="en-US" sz="700" i="1" dirty="0"/>
-          </a:p>
-        </p:txBody>
-      </p:sp>
-      <p:sp>
-        <p:nvSpPr>
-          <p:cNvPr id="18" name="TextBox 17"/>
-          <p:cNvSpPr txBox="1"/>
-          <p:nvPr/>
-        </p:nvSpPr>
-        <p:spPr>
-          <a:xfrm>
-            <a:off x="3192203" y="5880957"/>
-            <a:ext cx="566475" cy="507831"/>
-          </a:xfrm>
-          <a:prstGeom prst="rect">
-            <a:avLst/>
-          </a:prstGeom>
-          <a:noFill/>
-        </p:spPr>
-        <p:txBody>
-          <a:bodyPr wrap="none" rtlCol="0">
-            <a:spAutoFit/>
-          </a:bodyPr>
-          <a:lstStyle/>
-          <a:p>
-            <a:r>
-              <a:rPr lang="en-US" sz="900" b="1" dirty="0" smtClean="0"/>
-              <a:t>$153.45</a:t>
-            </a:r>
-          </a:p>
-          <a:p>
-            <a:r>
-              <a:rPr lang="en-US" sz="900" b="1" dirty="0">
-                <a:solidFill>
-                  <a:schemeClr val="bg1">
-                    <a:lumMod val="50000"/>
-                  </a:schemeClr>
-                </a:solidFill>
-              </a:rPr>
-              <a:t>$</a:t>
-            </a:r>
-            <a:r>
-              <a:rPr lang="en-US" sz="900" b="1" dirty="0" smtClean="0">
-                <a:solidFill>
-                  <a:schemeClr val="bg1">
-                    <a:lumMod val="50000"/>
-                  </a:schemeClr>
-                </a:solidFill>
-              </a:rPr>
-              <a:t>123.45</a:t>
-            </a:r>
-          </a:p>
-          <a:p>
-            <a:r>
-              <a:rPr lang="en-US" sz="900" b="1" dirty="0" smtClean="0">
-                <a:solidFill>
-                  <a:schemeClr val="bg1">
-                    <a:lumMod val="75000"/>
-                  </a:schemeClr>
-                </a:solidFill>
-              </a:rPr>
-              <a:t>$123.45</a:t>
-            </a:r>
-          </a:p>
-        </p:txBody>
-      </p:sp>
-      <p:sp>
-        <p:nvSpPr>
-          <p:cNvPr id="5" name="Rounded Rectangle 4"/>
-          <p:cNvSpPr/>
-          <p:nvPr/>
-        </p:nvSpPr>
-        <p:spPr>
-          <a:xfrm>
-            <a:off x="3667250" y="4452697"/>
-            <a:ext cx="886712" cy="238606"/>
-          </a:xfrm>
-          <a:prstGeom prst="roundRect">
-            <a:avLst/>
-          </a:prstGeom>
-          <a:solidFill>
-            <a:schemeClr val="bg2">
-              <a:lumMod val="90000"/>
-            </a:schemeClr>
-          </a:solidFill>
-          <a:ln>
-            <a:noFill/>
-          </a:ln>
-        </p:spPr>
-        <p:style>
-          <a:lnRef idx="1">
-            <a:schemeClr val="accent1"/>
-          </a:lnRef>
-          <a:fillRef idx="3">
-            <a:schemeClr val="accent1"/>
-          </a:fillRef>
-          <a:effectRef idx="2">
-            <a:schemeClr val="accent1"/>
-          </a:effectRef>
-          <a:fontRef idx="minor">
-            <a:schemeClr val="lt1"/>
-          </a:fontRef>
-        </p:style>
-        <p:txBody>
-          <a:bodyPr rtlCol="0" anchor="ctr"/>
-          <a:lstStyle/>
-          <a:p>
-            <a:pPr algn="ctr"/>
-            <a:r>
-              <a:rPr lang="en-US" sz="1000" dirty="0" smtClean="0"/>
-              <a:t>30 days ago</a:t>
-            </a:r>
-            <a:endParaRPr lang="en-US" sz="1000" dirty="0"/>
-          </a:p>
-        </p:txBody>
-      </p:sp>
-      <p:sp>
-        <p:nvSpPr>
-          <p:cNvPr id="22" name="TextBox 21"/>
-          <p:cNvSpPr txBox="1"/>
-          <p:nvPr/>
-        </p:nvSpPr>
-        <p:spPr>
-          <a:xfrm>
-            <a:off x="4337509" y="4027593"/>
-            <a:ext cx="1844566" cy="200055"/>
-          </a:xfrm>
-          <a:prstGeom prst="rect">
-            <a:avLst/>
-          </a:prstGeom>
-          <a:noFill/>
-        </p:spPr>
-        <p:txBody>
-          <a:bodyPr wrap="none" rtlCol="0">
-            <a:spAutoFit/>
-          </a:bodyPr>
-          <a:lstStyle/>
-          <a:p>
-            <a:r>
-              <a:rPr lang="en-US" sz="700" i="1" dirty="0" smtClean="0"/>
-              <a:t>balloon tooltip text on mouse over each price</a:t>
-            </a:r>
-            <a:endParaRPr lang="en-US" sz="700" i="1" dirty="0"/>
-          </a:p>
-        </p:txBody>
-      </p:sp>
-      <p:cxnSp>
-        <p:nvCxnSpPr>
-          <p:cNvPr id="23" name="Straight Arrow Connector 22"/>
-          <p:cNvCxnSpPr>
-            <a:stCxn id="22" idx="2"/>
-            <a:endCxn id="5" idx="3"/>
-          </p:cNvCxnSpPr>
-          <p:nvPr/>
-        </p:nvCxnSpPr>
-        <p:spPr>
-          <a:xfrm flipH="1">
-            <a:off x="4553962" y="4227648"/>
-            <a:ext cx="705830" cy="344352"/>
-          </a:xfrm>
-          <a:prstGeom prst="straightConnector1">
-            <a:avLst/>
-          </a:prstGeom>
-          <a:ln>
-            <a:solidFill>
-              <a:srgbClr val="4F81BD"/>
-            </a:solidFill>
-            <a:tailEnd type="triangle"/>
-          </a:ln>
-        </p:spPr>
-        <p:style>
-          <a:lnRef idx="2">
-            <a:schemeClr val="accent1"/>
-          </a:lnRef>
-          <a:fillRef idx="0">
-            <a:schemeClr val="accent1"/>
-          </a:fillRef>
-          <a:effectRef idx="1">
-            <a:schemeClr val="accent1"/>
-          </a:effectRef>
-          <a:fontRef idx="minor">
-            <a:schemeClr val="tx1"/>
-          </a:fontRef>
-        </p:style>
-      </p:cxnSp>
-      <p:sp>
-        <p:nvSpPr>
-          <p:cNvPr id="27" name="TextBox 26"/>
-          <p:cNvSpPr txBox="1"/>
-          <p:nvPr/>
-        </p:nvSpPr>
-        <p:spPr>
-          <a:xfrm>
-            <a:off x="2228318" y="6388788"/>
-            <a:ext cx="858255" cy="200055"/>
-          </a:xfrm>
-          <a:prstGeom prst="rect">
-            <a:avLst/>
-          </a:prstGeom>
-          <a:noFill/>
-        </p:spPr>
-        <p:txBody>
-          <a:bodyPr wrap="none" rtlCol="0">
-            <a:spAutoFit/>
-          </a:bodyPr>
-          <a:lstStyle/>
-          <a:p>
-            <a:r>
-              <a:rPr lang="en-US" sz="700" i="1" dirty="0" smtClean="0"/>
-              <a:t>No sale item price</a:t>
-            </a:r>
-            <a:endParaRPr lang="en-US" sz="700" i="1" dirty="0"/>
-          </a:p>
-        </p:txBody>
-      </p:sp>
-      <p:cxnSp>
-        <p:nvCxnSpPr>
-          <p:cNvPr id="28" name="Straight Arrow Connector 27"/>
-          <p:cNvCxnSpPr/>
-          <p:nvPr/>
-        </p:nvCxnSpPr>
-        <p:spPr>
-          <a:xfrm flipV="1">
-            <a:off x="2838128" y="6119816"/>
-            <a:ext cx="362869" cy="253914"/>
-          </a:xfrm>
-          <a:prstGeom prst="straightConnector1">
-            <a:avLst/>
-          </a:prstGeom>
-          <a:ln>
-            <a:solidFill>
-              <a:srgbClr val="4F81BD"/>
-            </a:solidFill>
-            <a:tailEnd type="triangle"/>
-          </a:ln>
-        </p:spPr>
-        <p:style>
-          <a:lnRef idx="2">
-            <a:schemeClr val="accent1"/>
-          </a:lnRef>
-          <a:fillRef idx="0">
-            <a:schemeClr val="accent1"/>
-          </a:fillRef>
-          <a:effectRef idx="1">
-            <a:schemeClr val="accent1"/>
-          </a:effectRef>
-          <a:fontRef idx="minor">
-            <a:schemeClr val="tx1"/>
-          </a:fontRef>
-        </p:style>
-      </p:cxnSp>
-      <p:sp>
-        <p:nvSpPr>
-          <p:cNvPr id="31" name="Rounded Rectangle 30"/>
-          <p:cNvSpPr/>
-          <p:nvPr/>
-        </p:nvSpPr>
-        <p:spPr>
-          <a:xfrm>
-            <a:off x="4337509" y="6275399"/>
-            <a:ext cx="1145894" cy="226778"/>
-          </a:xfrm>
-          <a:prstGeom prst="roundRect">
-            <a:avLst/>
-          </a:prstGeom>
-          <a:solidFill>
-            <a:schemeClr val="bg1">
-              <a:lumMod val="65000"/>
-            </a:schemeClr>
-          </a:solidFill>
+            <a:off x="447102" y="307879"/>
+            <a:ext cx="5621203" cy="654242"/>
+          </a:xfrm>
+          <a:prstGeom prst="rect">
+            <a:avLst/>
+          </a:prstGeom>
+          <a:noFill/>
           <a:ln>
             <a:solidFill>
               <a:schemeClr val="bg1">
@@ -7311,62 +7444,89 @@
           <a:p>
             <a:pPr algn="ctr"/>
             <a:r>
-              <a:rPr lang="en-US" sz="1100" dirty="0" smtClean="0"/>
-              <a:t>Added</a:t>
-            </a:r>
-            <a:endParaRPr lang="en-US" sz="1100" dirty="0"/>
-          </a:p>
-        </p:txBody>
-      </p:sp>
-      <p:cxnSp>
-        <p:nvCxnSpPr>
-          <p:cNvPr id="33" name="Straight Arrow Connector 32"/>
-          <p:cNvCxnSpPr>
-            <a:stCxn id="47" idx="2"/>
-            <a:endCxn id="31" idx="0"/>
-          </p:cNvCxnSpPr>
-          <p:nvPr/>
-        </p:nvCxnSpPr>
-        <p:spPr>
-          <a:xfrm>
-            <a:off x="4509522" y="5403964"/>
-            <a:ext cx="400934" cy="871435"/>
-          </a:xfrm>
-          <a:prstGeom prst="straightConnector1">
-            <a:avLst/>
-          </a:prstGeom>
+              <a:rPr lang="en-US" dirty="0" smtClean="0">
+                <a:solidFill>
+                  <a:schemeClr val="tx1"/>
+                </a:solidFill>
+              </a:rPr>
+              <a:t>Header</a:t>
+            </a:r>
+            <a:endParaRPr lang="en-US" dirty="0">
+              <a:solidFill>
+                <a:schemeClr val="tx1"/>
+              </a:solidFill>
+            </a:endParaRPr>
+          </a:p>
+        </p:txBody>
+      </p:sp>
+      <p:sp>
+        <p:nvSpPr>
+          <p:cNvPr id="52" name="Rectangle 51"/>
+          <p:cNvSpPr/>
+          <p:nvPr/>
+        </p:nvSpPr>
+        <p:spPr>
+          <a:xfrm>
+            <a:off x="431133" y="8195752"/>
+            <a:ext cx="5621203" cy="654242"/>
+          </a:xfrm>
+          <a:prstGeom prst="rect">
+            <a:avLst/>
+          </a:prstGeom>
+          <a:noFill/>
           <a:ln>
             <a:solidFill>
-              <a:srgbClr val="4F81BD"/>
+              <a:schemeClr val="bg1">
+                <a:lumMod val="50000"/>
+              </a:schemeClr>
             </a:solidFill>
-            <a:tailEnd type="triangle"/>
           </a:ln>
         </p:spPr>
         <p:style>
-          <a:lnRef idx="2">
+          <a:lnRef idx="1">
             <a:schemeClr val="accent1"/>
           </a:lnRef>
-          <a:fillRef idx="0">
+          <a:fillRef idx="3">
             <a:schemeClr val="accent1"/>
           </a:fillRef>
-          <a:effectRef idx="1">
+          <a:effectRef idx="2">
             <a:schemeClr val="accent1"/>
           </a:effectRef>
           <a:fontRef idx="minor">
-            <a:schemeClr val="tx1"/>
+            <a:schemeClr val="lt1"/>
           </a:fontRef>
         </p:style>
-      </p:cxnSp>
-      <p:sp>
-        <p:nvSpPr>
-          <p:cNvPr id="38" name="TextBox 37"/>
+        <p:txBody>
+          <a:bodyPr rtlCol="0" anchor="ctr"/>
+          <a:lstStyle/>
+          <a:p>
+            <a:pPr algn="ctr"/>
+            <a:r>
+              <a:rPr lang="en-US" dirty="0" smtClean="0">
+                <a:solidFill>
+                  <a:schemeClr val="tx1"/>
+                </a:solidFill>
+              </a:rPr>
+              <a:t>Footer</a:t>
+            </a:r>
+            <a:endParaRPr lang="en-US" dirty="0">
+              <a:solidFill>
+                <a:schemeClr val="tx1"/>
+              </a:solidFill>
+            </a:endParaRPr>
+          </a:p>
+        </p:txBody>
+      </p:sp>
+      <p:sp>
+        <p:nvSpPr>
+          <p:cNvPr id="57" name="TextBox 56"/>
           <p:cNvSpPr txBox="1"/>
           <p:nvPr/>
         </p:nvSpPr>
         <p:spPr>
           <a:xfrm>
-            <a:off x="4821160" y="5880957"/>
-            <a:ext cx="574419" cy="200055"/>
+            <a:off x="625548" y="962121"/>
+            <a:ext cx="2621042" cy="369332"/>
           </a:xfrm>
           <a:prstGeom prst="rect">
             <a:avLst/>
@@ -7380,23 +7540,31 @@
           <a:lstStyle/>
           <a:p>
             <a:r>
-              <a:rPr lang="en-US" sz="700" i="1" dirty="0" smtClean="0"/>
-              <a:t>After add</a:t>
-            </a:r>
-            <a:endParaRPr lang="en-US" sz="700" i="1" dirty="0"/>
-          </a:p>
-        </p:txBody>
-      </p:sp>
-      <p:sp>
-        <p:nvSpPr>
-          <p:cNvPr id="24" name="TextBox 23"/>
+              <a:rPr lang="en-US" i="1" dirty="0" smtClean="0">
+                <a:solidFill>
+                  <a:srgbClr val="FF0000"/>
+                </a:solidFill>
+              </a:rPr>
+              <a:t>Category or Brand Screen</a:t>
+            </a:r>
+            <a:endParaRPr lang="en-US" i="1" dirty="0">
+              <a:solidFill>
+                <a:srgbClr val="FF0000"/>
+              </a:solidFill>
+            </a:endParaRPr>
+          </a:p>
+        </p:txBody>
+      </p:sp>
+      <p:sp>
+        <p:nvSpPr>
+          <p:cNvPr id="36" name="TextBox 35"/>
           <p:cNvSpPr txBox="1"/>
           <p:nvPr/>
         </p:nvSpPr>
         <p:spPr>
           <a:xfrm>
-            <a:off x="4397588" y="2386127"/>
-            <a:ext cx="2405768" cy="200055"/>
+            <a:off x="466571" y="1411448"/>
+            <a:ext cx="2352427" cy="338554"/>
           </a:xfrm>
           <a:prstGeom prst="rect">
             <a:avLst/>
@@ -7410,59 +7578,23 @@
           <a:lstStyle/>
           <a:p>
             <a:r>
-              <a:rPr lang="en-US" sz="700" i="1" dirty="0" smtClean="0"/>
-              <a:t>X button or any non-popup area click should close the popup</a:t>
-            </a:r>
-            <a:endParaRPr lang="en-US" sz="700" i="1" dirty="0"/>
-          </a:p>
-        </p:txBody>
-      </p:sp>
-      <p:cxnSp>
-        <p:nvCxnSpPr>
-          <p:cNvPr id="25" name="Straight Arrow Connector 24"/>
-          <p:cNvCxnSpPr/>
-          <p:nvPr/>
-        </p:nvCxnSpPr>
-        <p:spPr>
-          <a:xfrm flipH="1">
-            <a:off x="5130488" y="2586182"/>
-            <a:ext cx="129304" cy="664567"/>
-          </a:xfrm>
-          <a:prstGeom prst="straightConnector1">
-            <a:avLst/>
-          </a:prstGeom>
-          <a:ln>
-            <a:solidFill>
-              <a:srgbClr val="4F81BD"/>
-            </a:solidFill>
-            <a:tailEnd type="triangle"/>
-          </a:ln>
-        </p:spPr>
-        <p:style>
-          <a:lnRef idx="2">
-            <a:schemeClr val="accent1"/>
-          </a:lnRef>
-          <a:fillRef idx="0">
-            <a:schemeClr val="accent1"/>
-          </a:fillRef>
-          <a:effectRef idx="1">
-            <a:schemeClr val="accent1"/>
-          </a:effectRef>
-          <a:fontRef idx="minor">
-            <a:schemeClr val="tx1"/>
-          </a:fontRef>
-        </p:style>
-      </p:cxnSp>
-      <p:sp>
-        <p:nvSpPr>
-          <p:cNvPr id="6" name="TextBox 5"/>
+              <a:rPr lang="en-US" sz="1600" dirty="0" smtClean="0"/>
+              <a:t>Clothing – Anthropologies</a:t>
+            </a:r>
+            <a:endParaRPr lang="en-US" sz="1600" dirty="0"/>
+          </a:p>
+        </p:txBody>
+      </p:sp>
+      <p:sp>
+        <p:nvSpPr>
+          <p:cNvPr id="37" name="TextBox 36"/>
           <p:cNvSpPr txBox="1"/>
           <p:nvPr/>
         </p:nvSpPr>
         <p:spPr>
           <a:xfrm>
-            <a:off x="1185333" y="1346970"/>
-            <a:ext cx="2183485" cy="369332"/>
+            <a:off x="894163" y="2198848"/>
+            <a:ext cx="2839239" cy="276999"/>
           </a:xfrm>
           <a:prstGeom prst="rect">
             <a:avLst/>
@@ -7476,23 +7608,23 @@
           <a:lstStyle/>
           <a:p>
             <a:r>
-              <a:rPr lang="en-US" dirty="0" smtClean="0"/>
-              <a:t>Product Detail Popup</a:t>
-            </a:r>
-            <a:endParaRPr lang="en-US" dirty="0"/>
-          </a:p>
-        </p:txBody>
-      </p:sp>
-      <p:sp>
-        <p:nvSpPr>
-          <p:cNvPr id="4" name="TextBox 3"/>
+              <a:rPr lang="en-US" sz="1200" dirty="0" smtClean="0"/>
+              <a:t>No sale item is found from Anthropologies</a:t>
+            </a:r>
+            <a:endParaRPr lang="en-US" sz="1200" dirty="0"/>
+          </a:p>
+        </p:txBody>
+      </p:sp>
+      <p:sp>
+        <p:nvSpPr>
+          <p:cNvPr id="38" name="TextBox 37"/>
           <p:cNvSpPr txBox="1"/>
           <p:nvPr/>
         </p:nvSpPr>
         <p:spPr>
           <a:xfrm>
-            <a:off x="1263550" y="7639538"/>
-            <a:ext cx="3175477" cy="276999"/>
+            <a:off x="1988425" y="3333856"/>
+            <a:ext cx="1315380" cy="200055"/>
           </a:xfrm>
           <a:prstGeom prst="rect">
             <a:avLst/>
@@ -7506,25 +7638,17 @@
           <a:lstStyle/>
           <a:p>
             <a:r>
-              <a:rPr lang="ko-KR" altLang="en-US" sz="1200" dirty="0" smtClean="0"/>
-              <a:t>제품상세페이지를 따로 또 해야할까</a:t>
-            </a:r>
-            <a:r>
-              <a:rPr lang="en-US" altLang="ko-KR" sz="1200" dirty="0" smtClean="0"/>
-              <a:t>? </a:t>
-            </a:r>
-            <a:r>
-              <a:rPr lang="en-US" altLang="ko-KR" sz="1200" smtClean="0"/>
-              <a:t>Use case???</a:t>
-            </a:r>
-            <a:endParaRPr lang="en-US" sz="1200"/>
+              <a:rPr lang="en-US" sz="700" i="1" dirty="0" smtClean="0"/>
+              <a:t>Screen when no item is found</a:t>
+            </a:r>
+            <a:endParaRPr lang="en-US" sz="700" i="1" dirty="0"/>
           </a:p>
         </p:txBody>
       </p:sp>
     </p:spTree>
     <p:extLst>
       <p:ext uri="{BB962C8B-B14F-4D97-AF65-F5344CB8AC3E}">
-        <p14:creationId xmlns:p14="http://schemas.microsoft.com/office/powerpoint/2010/main" val="2084804452"/>
+        <p14:creationId xmlns:p14="http://schemas.microsoft.com/office/powerpoint/2010/main" val="2101331898"/>
       </p:ext>
     </p:extLst>
   </p:cSld>
@@ -7559,13 +7683,747 @@
         </p:nvSpPr>
         <p:spPr>
           <a:xfrm>
-            <a:off x="447102" y="1924243"/>
-            <a:ext cx="5621203" cy="654242"/>
-          </a:xfrm>
-          <a:prstGeom prst="rect">
-            <a:avLst/>
-          </a:prstGeom>
-          <a:noFill/>
+            <a:off x="1263550" y="3207284"/>
+            <a:ext cx="4056321" cy="2481597"/>
+          </a:xfrm>
+          <a:prstGeom prst="rect">
+            <a:avLst/>
+          </a:prstGeom>
+          <a:noFill/>
+        </p:spPr>
+        <p:style>
+          <a:lnRef idx="1">
+            <a:schemeClr val="accent1"/>
+          </a:lnRef>
+          <a:fillRef idx="3">
+            <a:schemeClr val="accent1"/>
+          </a:fillRef>
+          <a:effectRef idx="2">
+            <a:schemeClr val="accent1"/>
+          </a:effectRef>
+          <a:fontRef idx="minor">
+            <a:schemeClr val="lt1"/>
+          </a:fontRef>
+        </p:style>
+        <p:txBody>
+          <a:bodyPr rtlCol="0" anchor="ctr"/>
+          <a:lstStyle/>
+          <a:p>
+            <a:pPr algn="ctr"/>
+            <a:endParaRPr lang="en-US"/>
+          </a:p>
+        </p:txBody>
+      </p:sp>
+      <p:pic>
+        <p:nvPicPr>
+          <p:cNvPr id="36" name="Picture 35"/>
+          <p:cNvPicPr>
+            <a:picLocks noChangeAspect="1"/>
+          </p:cNvPicPr>
+          <p:nvPr/>
+        </p:nvPicPr>
+        <p:blipFill>
+          <a:blip r:embed="rId2"/>
+          <a:stretch>
+            <a:fillRect/>
+          </a:stretch>
+        </p:blipFill>
+        <p:spPr>
+          <a:xfrm>
+            <a:off x="1438907" y="3371756"/>
+            <a:ext cx="1399221" cy="2096826"/>
+          </a:xfrm>
+          <a:prstGeom prst="rect">
+            <a:avLst/>
+          </a:prstGeom>
+        </p:spPr>
+      </p:pic>
+      <p:sp>
+        <p:nvSpPr>
+          <p:cNvPr id="37" name="TextBox 36"/>
+          <p:cNvSpPr txBox="1"/>
+          <p:nvPr/>
+        </p:nvSpPr>
+        <p:spPr>
+          <a:xfrm>
+            <a:off x="2973628" y="3472990"/>
+            <a:ext cx="787395" cy="353943"/>
+          </a:xfrm>
+          <a:prstGeom prst="rect">
+            <a:avLst/>
+          </a:prstGeom>
+          <a:noFill/>
+        </p:spPr>
+        <p:txBody>
+          <a:bodyPr wrap="none" rtlCol="0">
+            <a:spAutoFit/>
+          </a:bodyPr>
+          <a:lstStyle/>
+          <a:p>
+            <a:r>
+              <a:rPr lang="en-US" sz="900" dirty="0" smtClean="0"/>
+              <a:t>Brand Name</a:t>
+            </a:r>
+          </a:p>
+          <a:p>
+            <a:r>
+              <a:rPr lang="en-US" sz="800" dirty="0" smtClean="0"/>
+              <a:t>Product Name</a:t>
+            </a:r>
+            <a:endParaRPr lang="en-US" sz="1000" b="1" dirty="0">
+              <a:solidFill>
+                <a:srgbClr val="FF0000"/>
+              </a:solidFill>
+            </a:endParaRPr>
+          </a:p>
+        </p:txBody>
+      </p:sp>
+      <p:sp>
+        <p:nvSpPr>
+          <p:cNvPr id="52" name="TextBox 51"/>
+          <p:cNvSpPr txBox="1"/>
+          <p:nvPr/>
+        </p:nvSpPr>
+        <p:spPr>
+          <a:xfrm>
+            <a:off x="3402097" y="2806370"/>
+            <a:ext cx="1489920" cy="200055"/>
+          </a:xfrm>
+          <a:prstGeom prst="rect">
+            <a:avLst/>
+          </a:prstGeom>
+          <a:noFill/>
+        </p:spPr>
+        <p:txBody>
+          <a:bodyPr wrap="none" rtlCol="0">
+            <a:spAutoFit/>
+          </a:bodyPr>
+          <a:lstStyle/>
+          <a:p>
+            <a:r>
+              <a:rPr lang="en-US" sz="700" i="1" dirty="0" smtClean="0"/>
+              <a:t>This will show a balloon tooltip text</a:t>
+            </a:r>
+            <a:endParaRPr lang="en-US" sz="700" i="1" dirty="0"/>
+          </a:p>
+        </p:txBody>
+      </p:sp>
+      <p:cxnSp>
+        <p:nvCxnSpPr>
+          <p:cNvPr id="53" name="Straight Arrow Connector 52"/>
+          <p:cNvCxnSpPr/>
+          <p:nvPr/>
+        </p:nvCxnSpPr>
+        <p:spPr>
+          <a:xfrm>
+            <a:off x="4064742" y="2999945"/>
+            <a:ext cx="345291" cy="224527"/>
+          </a:xfrm>
+          <a:prstGeom prst="straightConnector1">
+            <a:avLst/>
+          </a:prstGeom>
+          <a:ln>
+            <a:solidFill>
+              <a:srgbClr val="4F81BD"/>
+            </a:solidFill>
+            <a:tailEnd type="triangle"/>
+          </a:ln>
+        </p:spPr>
+        <p:style>
+          <a:lnRef idx="2">
+            <a:schemeClr val="accent1"/>
+          </a:lnRef>
+          <a:fillRef idx="0">
+            <a:schemeClr val="accent1"/>
+          </a:fillRef>
+          <a:effectRef idx="1">
+            <a:schemeClr val="accent1"/>
+          </a:effectRef>
+          <a:fontRef idx="minor">
+            <a:schemeClr val="tx1"/>
+          </a:fontRef>
+        </p:style>
+      </p:cxnSp>
+      <p:sp>
+        <p:nvSpPr>
+          <p:cNvPr id="3" name="Rounded Rectangle 2"/>
+          <p:cNvSpPr/>
+          <p:nvPr/>
+        </p:nvSpPr>
+        <p:spPr>
+          <a:xfrm>
+            <a:off x="3136202" y="5177010"/>
+            <a:ext cx="583172" cy="226778"/>
+          </a:xfrm>
+          <a:prstGeom prst="roundRect">
+            <a:avLst/>
+          </a:prstGeom>
+        </p:spPr>
+        <p:style>
+          <a:lnRef idx="1">
+            <a:schemeClr val="accent1"/>
+          </a:lnRef>
+          <a:fillRef idx="3">
+            <a:schemeClr val="accent1"/>
+          </a:fillRef>
+          <a:effectRef idx="2">
+            <a:schemeClr val="accent1"/>
+          </a:effectRef>
+          <a:fontRef idx="minor">
+            <a:schemeClr val="lt1"/>
+          </a:fontRef>
+        </p:style>
+        <p:txBody>
+          <a:bodyPr rtlCol="0" anchor="ctr"/>
+          <a:lstStyle/>
+          <a:p>
+            <a:pPr algn="ctr"/>
+            <a:r>
+              <a:rPr lang="en-US" sz="1100" dirty="0" smtClean="0"/>
+              <a:t>Shop</a:t>
+            </a:r>
+            <a:endParaRPr lang="en-US" sz="1100" dirty="0"/>
+          </a:p>
+        </p:txBody>
+      </p:sp>
+      <p:sp>
+        <p:nvSpPr>
+          <p:cNvPr id="47" name="Rounded Rectangle 46"/>
+          <p:cNvSpPr/>
+          <p:nvPr/>
+        </p:nvSpPr>
+        <p:spPr>
+          <a:xfrm>
+            <a:off x="3936575" y="5177186"/>
+            <a:ext cx="1145894" cy="226778"/>
+          </a:xfrm>
+          <a:prstGeom prst="roundRect">
+            <a:avLst/>
+          </a:prstGeom>
+        </p:spPr>
+        <p:style>
+          <a:lnRef idx="1">
+            <a:schemeClr val="accent1"/>
+          </a:lnRef>
+          <a:fillRef idx="3">
+            <a:schemeClr val="accent1"/>
+          </a:fillRef>
+          <a:effectRef idx="2">
+            <a:schemeClr val="accent1"/>
+          </a:effectRef>
+          <a:fontRef idx="minor">
+            <a:schemeClr val="lt1"/>
+          </a:fontRef>
+        </p:style>
+        <p:txBody>
+          <a:bodyPr rtlCol="0" anchor="ctr"/>
+          <a:lstStyle/>
+          <a:p>
+            <a:pPr algn="ctr"/>
+            <a:r>
+              <a:rPr lang="en-US" sz="1100" dirty="0" smtClean="0"/>
+              <a:t>Add to My </a:t>
+            </a:r>
+            <a:r>
+              <a:rPr lang="en-US" sz="1100" dirty="0" err="1" smtClean="0"/>
+              <a:t>Favs</a:t>
+            </a:r>
+            <a:endParaRPr lang="en-US" sz="1100" dirty="0"/>
+          </a:p>
+        </p:txBody>
+      </p:sp>
+      <p:sp>
+        <p:nvSpPr>
+          <p:cNvPr id="9" name="TextBox 8"/>
+          <p:cNvSpPr txBox="1"/>
+          <p:nvPr/>
+        </p:nvSpPr>
+        <p:spPr>
+          <a:xfrm>
+            <a:off x="4200477" y="3209368"/>
+            <a:ext cx="620683" cy="215444"/>
+          </a:xfrm>
+          <a:prstGeom prst="rect">
+            <a:avLst/>
+          </a:prstGeom>
+          <a:noFill/>
+        </p:spPr>
+        <p:txBody>
+          <a:bodyPr wrap="none" rtlCol="0">
+            <a:spAutoFit/>
+          </a:bodyPr>
+          <a:lstStyle/>
+          <a:p>
+            <a:r>
+              <a:rPr lang="en-US" sz="800" u="sng" dirty="0" smtClean="0"/>
+              <a:t>Disclaimer</a:t>
+            </a:r>
+            <a:endParaRPr lang="en-US" sz="800" u="sng" dirty="0"/>
+          </a:p>
+        </p:txBody>
+      </p:sp>
+      <p:pic>
+        <p:nvPicPr>
+          <p:cNvPr id="15" name="Picture 14"/>
+          <p:cNvPicPr>
+            <a:picLocks noChangeAspect="1"/>
+          </p:cNvPicPr>
+          <p:nvPr/>
+        </p:nvPicPr>
+        <p:blipFill>
+          <a:blip r:embed="rId3"/>
+          <a:stretch>
+            <a:fillRect/>
+          </a:stretch>
+        </p:blipFill>
+        <p:spPr>
+          <a:xfrm>
+            <a:off x="5072528" y="3237255"/>
+            <a:ext cx="186581" cy="192412"/>
+          </a:xfrm>
+          <a:prstGeom prst="rect">
+            <a:avLst/>
+          </a:prstGeom>
+        </p:spPr>
+      </p:pic>
+      <p:sp>
+        <p:nvSpPr>
+          <p:cNvPr id="54" name="TextBox 53"/>
+          <p:cNvSpPr txBox="1"/>
+          <p:nvPr/>
+        </p:nvSpPr>
+        <p:spPr>
+          <a:xfrm>
+            <a:off x="3133085" y="4227648"/>
+            <a:ext cx="1137639" cy="646331"/>
+          </a:xfrm>
+          <a:prstGeom prst="rect">
+            <a:avLst/>
+          </a:prstGeom>
+          <a:noFill/>
+        </p:spPr>
+        <p:txBody>
+          <a:bodyPr wrap="none" rtlCol="0">
+            <a:spAutoFit/>
+          </a:bodyPr>
+          <a:lstStyle/>
+          <a:p>
+            <a:r>
+              <a:rPr lang="en-US" sz="900" b="1" dirty="0" smtClean="0">
+                <a:solidFill>
+                  <a:srgbClr val="FF0000"/>
+                </a:solidFill>
+              </a:rPr>
+              <a:t>$103.45 now (23%)</a:t>
+            </a:r>
+          </a:p>
+          <a:p>
+            <a:r>
+              <a:rPr lang="en-US" sz="900" b="1" dirty="0" smtClean="0"/>
+              <a:t>$123.45</a:t>
+            </a:r>
+          </a:p>
+          <a:p>
+            <a:r>
+              <a:rPr lang="en-US" sz="900" b="1" dirty="0">
+                <a:solidFill>
+                  <a:schemeClr val="bg1">
+                    <a:lumMod val="50000"/>
+                  </a:schemeClr>
+                </a:solidFill>
+              </a:rPr>
+              <a:t>$</a:t>
+            </a:r>
+            <a:r>
+              <a:rPr lang="en-US" sz="900" b="1" dirty="0" smtClean="0">
+                <a:solidFill>
+                  <a:schemeClr val="bg1">
+                    <a:lumMod val="50000"/>
+                  </a:schemeClr>
+                </a:solidFill>
+              </a:rPr>
+              <a:t>153.45</a:t>
+            </a:r>
+          </a:p>
+          <a:p>
+            <a:r>
+              <a:rPr lang="en-US" sz="900" b="1" dirty="0" smtClean="0">
+                <a:solidFill>
+                  <a:schemeClr val="bg1">
+                    <a:lumMod val="75000"/>
+                  </a:schemeClr>
+                </a:solidFill>
+              </a:rPr>
+              <a:t>$123.45</a:t>
+            </a:r>
+          </a:p>
+        </p:txBody>
+      </p:sp>
+      <p:sp>
+        <p:nvSpPr>
+          <p:cNvPr id="65" name="TextBox 64"/>
+          <p:cNvSpPr txBox="1"/>
+          <p:nvPr/>
+        </p:nvSpPr>
+        <p:spPr>
+          <a:xfrm>
+            <a:off x="2970571" y="3742214"/>
+            <a:ext cx="971446" cy="230832"/>
+          </a:xfrm>
+          <a:prstGeom prst="rect">
+            <a:avLst/>
+          </a:prstGeom>
+          <a:noFill/>
+        </p:spPr>
+        <p:txBody>
+          <a:bodyPr wrap="none" rtlCol="0">
+            <a:spAutoFit/>
+          </a:bodyPr>
+          <a:lstStyle/>
+          <a:p>
+            <a:r>
+              <a:rPr lang="en-US" sz="900" dirty="0" smtClean="0"/>
+              <a:t>Item No: 123456</a:t>
+            </a:r>
+          </a:p>
+        </p:txBody>
+      </p:sp>
+      <p:cxnSp>
+        <p:nvCxnSpPr>
+          <p:cNvPr id="66" name="Straight Arrow Connector 65"/>
+          <p:cNvCxnSpPr>
+            <a:stCxn id="67" idx="2"/>
+            <a:endCxn id="36" idx="0"/>
+          </p:cNvCxnSpPr>
+          <p:nvPr/>
+        </p:nvCxnSpPr>
+        <p:spPr>
+          <a:xfrm>
+            <a:off x="1886215" y="2906397"/>
+            <a:ext cx="252303" cy="465359"/>
+          </a:xfrm>
+          <a:prstGeom prst="straightConnector1">
+            <a:avLst/>
+          </a:prstGeom>
+          <a:ln>
+            <a:solidFill>
+              <a:srgbClr val="4F81BD"/>
+            </a:solidFill>
+            <a:tailEnd type="triangle"/>
+          </a:ln>
+        </p:spPr>
+        <p:style>
+          <a:lnRef idx="2">
+            <a:schemeClr val="accent1"/>
+          </a:lnRef>
+          <a:fillRef idx="0">
+            <a:schemeClr val="accent1"/>
+          </a:fillRef>
+          <a:effectRef idx="1">
+            <a:schemeClr val="accent1"/>
+          </a:effectRef>
+          <a:fontRef idx="minor">
+            <a:schemeClr val="tx1"/>
+          </a:fontRef>
+        </p:style>
+      </p:cxnSp>
+      <p:sp>
+        <p:nvSpPr>
+          <p:cNvPr id="67" name="TextBox 66"/>
+          <p:cNvSpPr txBox="1"/>
+          <p:nvPr/>
+        </p:nvSpPr>
+        <p:spPr>
+          <a:xfrm>
+            <a:off x="934301" y="2706342"/>
+            <a:ext cx="1903827" cy="200055"/>
+          </a:xfrm>
+          <a:prstGeom prst="rect">
+            <a:avLst/>
+          </a:prstGeom>
+          <a:noFill/>
+        </p:spPr>
+        <p:txBody>
+          <a:bodyPr wrap="none" rtlCol="0">
+            <a:spAutoFit/>
+          </a:bodyPr>
+          <a:lstStyle/>
+          <a:p>
+            <a:r>
+              <a:rPr lang="en-US" sz="700" i="1" dirty="0" smtClean="0"/>
+              <a:t>Show image bigger than the one in product list</a:t>
+            </a:r>
+            <a:endParaRPr lang="en-US" sz="700" i="1" dirty="0"/>
+          </a:p>
+        </p:txBody>
+      </p:sp>
+      <p:sp>
+        <p:nvSpPr>
+          <p:cNvPr id="18" name="TextBox 17"/>
+          <p:cNvSpPr txBox="1"/>
+          <p:nvPr/>
+        </p:nvSpPr>
+        <p:spPr>
+          <a:xfrm>
+            <a:off x="3192203" y="5880957"/>
+            <a:ext cx="566475" cy="507831"/>
+          </a:xfrm>
+          <a:prstGeom prst="rect">
+            <a:avLst/>
+          </a:prstGeom>
+          <a:noFill/>
+        </p:spPr>
+        <p:txBody>
+          <a:bodyPr wrap="none" rtlCol="0">
+            <a:spAutoFit/>
+          </a:bodyPr>
+          <a:lstStyle/>
+          <a:p>
+            <a:r>
+              <a:rPr lang="en-US" sz="900" b="1" dirty="0" smtClean="0"/>
+              <a:t>$153.45</a:t>
+            </a:r>
+          </a:p>
+          <a:p>
+            <a:r>
+              <a:rPr lang="en-US" sz="900" b="1" dirty="0">
+                <a:solidFill>
+                  <a:schemeClr val="bg1">
+                    <a:lumMod val="50000"/>
+                  </a:schemeClr>
+                </a:solidFill>
+              </a:rPr>
+              <a:t>$</a:t>
+            </a:r>
+            <a:r>
+              <a:rPr lang="en-US" sz="900" b="1" dirty="0" smtClean="0">
+                <a:solidFill>
+                  <a:schemeClr val="bg1">
+                    <a:lumMod val="50000"/>
+                  </a:schemeClr>
+                </a:solidFill>
+              </a:rPr>
+              <a:t>123.45</a:t>
+            </a:r>
+          </a:p>
+          <a:p>
+            <a:r>
+              <a:rPr lang="en-US" sz="900" b="1" dirty="0" smtClean="0">
+                <a:solidFill>
+                  <a:schemeClr val="bg1">
+                    <a:lumMod val="75000"/>
+                  </a:schemeClr>
+                </a:solidFill>
+              </a:rPr>
+              <a:t>$123.45</a:t>
+            </a:r>
+          </a:p>
+        </p:txBody>
+      </p:sp>
+      <p:sp>
+        <p:nvSpPr>
+          <p:cNvPr id="5" name="Rounded Rectangle 4"/>
+          <p:cNvSpPr/>
+          <p:nvPr/>
+        </p:nvSpPr>
+        <p:spPr>
+          <a:xfrm>
+            <a:off x="3667250" y="4452697"/>
+            <a:ext cx="886712" cy="238606"/>
+          </a:xfrm>
+          <a:prstGeom prst="roundRect">
+            <a:avLst/>
+          </a:prstGeom>
+          <a:solidFill>
+            <a:schemeClr val="bg2">
+              <a:lumMod val="90000"/>
+            </a:schemeClr>
+          </a:solidFill>
+          <a:ln>
+            <a:noFill/>
+          </a:ln>
+        </p:spPr>
+        <p:style>
+          <a:lnRef idx="1">
+            <a:schemeClr val="accent1"/>
+          </a:lnRef>
+          <a:fillRef idx="3">
+            <a:schemeClr val="accent1"/>
+          </a:fillRef>
+          <a:effectRef idx="2">
+            <a:schemeClr val="accent1"/>
+          </a:effectRef>
+          <a:fontRef idx="minor">
+            <a:schemeClr val="lt1"/>
+          </a:fontRef>
+        </p:style>
+        <p:txBody>
+          <a:bodyPr rtlCol="0" anchor="ctr"/>
+          <a:lstStyle/>
+          <a:p>
+            <a:pPr algn="ctr"/>
+            <a:r>
+              <a:rPr lang="en-US" sz="1000" dirty="0" smtClean="0"/>
+              <a:t>30 days ago</a:t>
+            </a:r>
+            <a:endParaRPr lang="en-US" sz="1000" dirty="0"/>
+          </a:p>
+        </p:txBody>
+      </p:sp>
+      <p:sp>
+        <p:nvSpPr>
+          <p:cNvPr id="22" name="TextBox 21"/>
+          <p:cNvSpPr txBox="1"/>
+          <p:nvPr/>
+        </p:nvSpPr>
+        <p:spPr>
+          <a:xfrm>
+            <a:off x="4337509" y="4027593"/>
+            <a:ext cx="1844566" cy="200055"/>
+          </a:xfrm>
+          <a:prstGeom prst="rect">
+            <a:avLst/>
+          </a:prstGeom>
+          <a:noFill/>
+        </p:spPr>
+        <p:txBody>
+          <a:bodyPr wrap="none" rtlCol="0">
+            <a:spAutoFit/>
+          </a:bodyPr>
+          <a:lstStyle/>
+          <a:p>
+            <a:r>
+              <a:rPr lang="en-US" sz="700" i="1" dirty="0" smtClean="0"/>
+              <a:t>balloon tooltip text on mouse over each price</a:t>
+            </a:r>
+            <a:endParaRPr lang="en-US" sz="700" i="1" dirty="0"/>
+          </a:p>
+        </p:txBody>
+      </p:sp>
+      <p:cxnSp>
+        <p:nvCxnSpPr>
+          <p:cNvPr id="23" name="Straight Arrow Connector 22"/>
+          <p:cNvCxnSpPr>
+            <a:stCxn id="22" idx="2"/>
+            <a:endCxn id="5" idx="3"/>
+          </p:cNvCxnSpPr>
+          <p:nvPr/>
+        </p:nvCxnSpPr>
+        <p:spPr>
+          <a:xfrm flipH="1">
+            <a:off x="4553962" y="4227648"/>
+            <a:ext cx="705830" cy="344352"/>
+          </a:xfrm>
+          <a:prstGeom prst="straightConnector1">
+            <a:avLst/>
+          </a:prstGeom>
+          <a:ln>
+            <a:solidFill>
+              <a:srgbClr val="4F81BD"/>
+            </a:solidFill>
+            <a:tailEnd type="triangle"/>
+          </a:ln>
+        </p:spPr>
+        <p:style>
+          <a:lnRef idx="2">
+            <a:schemeClr val="accent1"/>
+          </a:lnRef>
+          <a:fillRef idx="0">
+            <a:schemeClr val="accent1"/>
+          </a:fillRef>
+          <a:effectRef idx="1">
+            <a:schemeClr val="accent1"/>
+          </a:effectRef>
+          <a:fontRef idx="minor">
+            <a:schemeClr val="tx1"/>
+          </a:fontRef>
+        </p:style>
+      </p:cxnSp>
+      <p:sp>
+        <p:nvSpPr>
+          <p:cNvPr id="27" name="TextBox 26"/>
+          <p:cNvSpPr txBox="1"/>
+          <p:nvPr/>
+        </p:nvSpPr>
+        <p:spPr>
+          <a:xfrm>
+            <a:off x="2228318" y="6388788"/>
+            <a:ext cx="858255" cy="200055"/>
+          </a:xfrm>
+          <a:prstGeom prst="rect">
+            <a:avLst/>
+          </a:prstGeom>
+          <a:noFill/>
+        </p:spPr>
+        <p:txBody>
+          <a:bodyPr wrap="none" rtlCol="0">
+            <a:spAutoFit/>
+          </a:bodyPr>
+          <a:lstStyle/>
+          <a:p>
+            <a:r>
+              <a:rPr lang="en-US" sz="700" i="1" dirty="0" smtClean="0"/>
+              <a:t>No sale item price</a:t>
+            </a:r>
+            <a:endParaRPr lang="en-US" sz="700" i="1" dirty="0"/>
+          </a:p>
+        </p:txBody>
+      </p:sp>
+      <p:cxnSp>
+        <p:nvCxnSpPr>
+          <p:cNvPr id="28" name="Straight Arrow Connector 27"/>
+          <p:cNvCxnSpPr/>
+          <p:nvPr/>
+        </p:nvCxnSpPr>
+        <p:spPr>
+          <a:xfrm flipV="1">
+            <a:off x="2838128" y="6119816"/>
+            <a:ext cx="362869" cy="253914"/>
+          </a:xfrm>
+          <a:prstGeom prst="straightConnector1">
+            <a:avLst/>
+          </a:prstGeom>
+          <a:ln>
+            <a:solidFill>
+              <a:srgbClr val="4F81BD"/>
+            </a:solidFill>
+            <a:tailEnd type="triangle"/>
+          </a:ln>
+        </p:spPr>
+        <p:style>
+          <a:lnRef idx="2">
+            <a:schemeClr val="accent1"/>
+          </a:lnRef>
+          <a:fillRef idx="0">
+            <a:schemeClr val="accent1"/>
+          </a:fillRef>
+          <a:effectRef idx="1">
+            <a:schemeClr val="accent1"/>
+          </a:effectRef>
+          <a:fontRef idx="minor">
+            <a:schemeClr val="tx1"/>
+          </a:fontRef>
+        </p:style>
+      </p:cxnSp>
+      <p:sp>
+        <p:nvSpPr>
+          <p:cNvPr id="31" name="Rounded Rectangle 30"/>
+          <p:cNvSpPr/>
+          <p:nvPr/>
+        </p:nvSpPr>
+        <p:spPr>
+          <a:xfrm>
+            <a:off x="4337509" y="6275399"/>
+            <a:ext cx="1145894" cy="226778"/>
+          </a:xfrm>
+          <a:prstGeom prst="roundRect">
+            <a:avLst/>
+          </a:prstGeom>
+          <a:solidFill>
+            <a:schemeClr val="bg1">
+              <a:lumMod val="65000"/>
+            </a:schemeClr>
+          </a:solidFill>
           <a:ln>
             <a:solidFill>
               <a:schemeClr val="bg1">
@@ -7594,89 +8452,62 @@
           <a:p>
             <a:pPr algn="ctr"/>
             <a:r>
-              <a:rPr lang="en-US" dirty="0" smtClean="0">
-                <a:solidFill>
-                  <a:schemeClr val="tx1"/>
-                </a:solidFill>
-              </a:rPr>
-              <a:t>Header</a:t>
-            </a:r>
-            <a:endParaRPr lang="en-US" dirty="0">
-              <a:solidFill>
-                <a:schemeClr val="tx1"/>
-              </a:solidFill>
-            </a:endParaRPr>
-          </a:p>
-        </p:txBody>
-      </p:sp>
-      <p:sp>
-        <p:nvSpPr>
-          <p:cNvPr id="3" name="Rectangle 2"/>
-          <p:cNvSpPr/>
-          <p:nvPr/>
-        </p:nvSpPr>
-        <p:spPr>
-          <a:xfrm>
-            <a:off x="447102" y="6040598"/>
-            <a:ext cx="5621203" cy="654242"/>
-          </a:xfrm>
-          <a:prstGeom prst="rect">
-            <a:avLst/>
-          </a:prstGeom>
-          <a:noFill/>
+              <a:rPr lang="en-US" sz="1100" dirty="0" smtClean="0"/>
+              <a:t>Added</a:t>
+            </a:r>
+            <a:endParaRPr lang="en-US" sz="1100" dirty="0"/>
+          </a:p>
+        </p:txBody>
+      </p:sp>
+      <p:cxnSp>
+        <p:nvCxnSpPr>
+          <p:cNvPr id="33" name="Straight Arrow Connector 32"/>
+          <p:cNvCxnSpPr>
+            <a:stCxn id="47" idx="2"/>
+            <a:endCxn id="31" idx="0"/>
+          </p:cNvCxnSpPr>
+          <p:nvPr/>
+        </p:nvCxnSpPr>
+        <p:spPr>
+          <a:xfrm>
+            <a:off x="4509522" y="5403964"/>
+            <a:ext cx="400934" cy="871435"/>
+          </a:xfrm>
+          <a:prstGeom prst="straightConnector1">
+            <a:avLst/>
+          </a:prstGeom>
           <a:ln>
             <a:solidFill>
-              <a:schemeClr val="bg1">
-                <a:lumMod val="50000"/>
-              </a:schemeClr>
+              <a:srgbClr val="4F81BD"/>
             </a:solidFill>
+            <a:tailEnd type="triangle"/>
           </a:ln>
         </p:spPr>
         <p:style>
-          <a:lnRef idx="1">
+          <a:lnRef idx="2">
             <a:schemeClr val="accent1"/>
           </a:lnRef>
-          <a:fillRef idx="3">
+          <a:fillRef idx="0">
             <a:schemeClr val="accent1"/>
           </a:fillRef>
-          <a:effectRef idx="2">
+          <a:effectRef idx="1">
             <a:schemeClr val="accent1"/>
           </a:effectRef>
           <a:fontRef idx="minor">
-            <a:schemeClr val="lt1"/>
+            <a:schemeClr val="tx1"/>
           </a:fontRef>
         </p:style>
-        <p:txBody>
-          <a:bodyPr rtlCol="0" anchor="ctr"/>
-          <a:lstStyle/>
-          <a:p>
-            <a:pPr algn="ctr"/>
-            <a:r>
-              <a:rPr lang="en-US" dirty="0" smtClean="0">
-                <a:solidFill>
-                  <a:schemeClr val="tx1"/>
-                </a:solidFill>
-              </a:rPr>
-              <a:t>Footer</a:t>
-            </a:r>
-            <a:endParaRPr lang="en-US" dirty="0">
-              <a:solidFill>
-                <a:schemeClr val="tx1"/>
-              </a:solidFill>
-            </a:endParaRPr>
-          </a:p>
-        </p:txBody>
-      </p:sp>
-      <p:sp>
-        <p:nvSpPr>
-          <p:cNvPr id="4" name="TextBox 3"/>
+      </p:cxnSp>
+      <p:sp>
+        <p:nvSpPr>
+          <p:cNvPr id="38" name="TextBox 37"/>
           <p:cNvSpPr txBox="1"/>
           <p:nvPr/>
         </p:nvSpPr>
         <p:spPr>
           <a:xfrm>
-            <a:off x="1185333" y="1346970"/>
-            <a:ext cx="864890" cy="369332"/>
+            <a:off x="4821160" y="5880957"/>
+            <a:ext cx="574419" cy="200055"/>
           </a:xfrm>
           <a:prstGeom prst="rect">
             <a:avLst/>
@@ -7690,23 +8521,23 @@
           <a:lstStyle/>
           <a:p>
             <a:r>
-              <a:rPr lang="en-US" i="1" dirty="0" smtClean="0"/>
-              <a:t>Sign In</a:t>
-            </a:r>
-            <a:endParaRPr lang="en-US" i="1" dirty="0"/>
-          </a:p>
-        </p:txBody>
-      </p:sp>
-      <p:sp>
-        <p:nvSpPr>
-          <p:cNvPr id="5" name="TextBox 4"/>
+              <a:rPr lang="en-US" sz="700" i="1" dirty="0" smtClean="0"/>
+              <a:t>After add</a:t>
+            </a:r>
+            <a:endParaRPr lang="en-US" sz="700" i="1" dirty="0"/>
+          </a:p>
+        </p:txBody>
+      </p:sp>
+      <p:sp>
+        <p:nvSpPr>
+          <p:cNvPr id="24" name="TextBox 23"/>
           <p:cNvSpPr txBox="1"/>
           <p:nvPr/>
         </p:nvSpPr>
         <p:spPr>
           <a:xfrm>
-            <a:off x="1339273" y="3255818"/>
-            <a:ext cx="990000" cy="261610"/>
+            <a:off x="4397588" y="2386127"/>
+            <a:ext cx="2405768" cy="200055"/>
           </a:xfrm>
           <a:prstGeom prst="rect">
             <a:avLst/>
@@ -7720,69 +8551,59 @@
           <a:lstStyle/>
           <a:p>
             <a:r>
-              <a:rPr lang="en-US" sz="1100" dirty="0" smtClean="0"/>
-              <a:t>Email Address</a:t>
-            </a:r>
-            <a:endParaRPr lang="en-US" sz="1100" dirty="0"/>
-          </a:p>
-        </p:txBody>
-      </p:sp>
-      <p:sp>
-        <p:nvSpPr>
-          <p:cNvPr id="6" name="Rectangle 5"/>
-          <p:cNvSpPr/>
-          <p:nvPr/>
-        </p:nvSpPr>
-        <p:spPr>
-          <a:xfrm>
-            <a:off x="2329274" y="3255818"/>
-            <a:ext cx="1804000" cy="261610"/>
-          </a:xfrm>
-          <a:prstGeom prst="rect">
-            <a:avLst/>
-          </a:prstGeom>
-          <a:noFill/>
+              <a:rPr lang="en-US" sz="700" i="1" dirty="0" smtClean="0"/>
+              <a:t>X button or any non-popup area click should close the popup</a:t>
+            </a:r>
+            <a:endParaRPr lang="en-US" sz="700" i="1" dirty="0"/>
+          </a:p>
+        </p:txBody>
+      </p:sp>
+      <p:cxnSp>
+        <p:nvCxnSpPr>
+          <p:cNvPr id="25" name="Straight Arrow Connector 24"/>
+          <p:cNvCxnSpPr/>
+          <p:nvPr/>
+        </p:nvCxnSpPr>
+        <p:spPr>
+          <a:xfrm flipH="1">
+            <a:off x="5130488" y="2586182"/>
+            <a:ext cx="129304" cy="664567"/>
+          </a:xfrm>
+          <a:prstGeom prst="straightConnector1">
+            <a:avLst/>
+          </a:prstGeom>
           <a:ln>
             <a:solidFill>
-              <a:schemeClr val="bg1">
-                <a:lumMod val="50000"/>
-              </a:schemeClr>
+              <a:srgbClr val="4F81BD"/>
             </a:solidFill>
+            <a:tailEnd type="triangle"/>
           </a:ln>
         </p:spPr>
         <p:style>
-          <a:lnRef idx="1">
+          <a:lnRef idx="2">
             <a:schemeClr val="accent1"/>
           </a:lnRef>
-          <a:fillRef idx="3">
+          <a:fillRef idx="0">
             <a:schemeClr val="accent1"/>
           </a:fillRef>
-          <a:effectRef idx="2">
+          <a:effectRef idx="1">
             <a:schemeClr val="accent1"/>
           </a:effectRef>
           <a:fontRef idx="minor">
-            <a:schemeClr val="lt1"/>
+            <a:schemeClr val="tx1"/>
           </a:fontRef>
         </p:style>
-        <p:txBody>
-          <a:bodyPr rtlCol="0" anchor="ctr"/>
-          <a:lstStyle/>
-          <a:p>
-            <a:pPr algn="ctr"/>
-            <a:endParaRPr lang="en-US"/>
-          </a:p>
-        </p:txBody>
-      </p:sp>
-      <p:sp>
-        <p:nvSpPr>
-          <p:cNvPr id="7" name="TextBox 6"/>
+      </p:cxnSp>
+      <p:sp>
+        <p:nvSpPr>
+          <p:cNvPr id="4" name="TextBox 3"/>
           <p:cNvSpPr txBox="1"/>
           <p:nvPr/>
         </p:nvSpPr>
         <p:spPr>
           <a:xfrm>
-            <a:off x="1570183" y="3739188"/>
-            <a:ext cx="733976" cy="261610"/>
+            <a:off x="1263550" y="7639538"/>
+            <a:ext cx="3175477" cy="276999"/>
           </a:xfrm>
           <a:prstGeom prst="rect">
             <a:avLst/>
@@ -7796,207 +8617,25 @@
           <a:lstStyle/>
           <a:p>
             <a:r>
-              <a:rPr lang="en-US" sz="1100" dirty="0" smtClean="0"/>
-              <a:t>Password</a:t>
-            </a:r>
-            <a:endParaRPr lang="en-US" sz="1100" dirty="0"/>
-          </a:p>
-        </p:txBody>
-      </p:sp>
-      <p:sp>
-        <p:nvSpPr>
-          <p:cNvPr id="8" name="Rectangle 7"/>
-          <p:cNvSpPr/>
-          <p:nvPr/>
-        </p:nvSpPr>
-        <p:spPr>
-          <a:xfrm>
-            <a:off x="2329274" y="3739188"/>
-            <a:ext cx="1804000" cy="261610"/>
-          </a:xfrm>
-          <a:prstGeom prst="rect">
-            <a:avLst/>
-          </a:prstGeom>
-          <a:noFill/>
-          <a:ln>
-            <a:solidFill>
-              <a:schemeClr val="bg1">
-                <a:lumMod val="50000"/>
-              </a:schemeClr>
-            </a:solidFill>
-          </a:ln>
-        </p:spPr>
-        <p:style>
-          <a:lnRef idx="1">
-            <a:schemeClr val="accent1"/>
-          </a:lnRef>
-          <a:fillRef idx="3">
-            <a:schemeClr val="accent1"/>
-          </a:fillRef>
-          <a:effectRef idx="2">
-            <a:schemeClr val="accent1"/>
-          </a:effectRef>
-          <a:fontRef idx="minor">
-            <a:schemeClr val="lt1"/>
-          </a:fontRef>
-        </p:style>
-        <p:txBody>
-          <a:bodyPr rtlCol="0" anchor="ctr"/>
-          <a:lstStyle/>
-          <a:p>
-            <a:pPr algn="ctr"/>
-            <a:endParaRPr lang="en-US"/>
-          </a:p>
-        </p:txBody>
-      </p:sp>
-      <p:sp>
-        <p:nvSpPr>
-          <p:cNvPr id="9" name="Rectangle 8"/>
-          <p:cNvSpPr/>
-          <p:nvPr/>
-        </p:nvSpPr>
-        <p:spPr>
-          <a:xfrm>
-            <a:off x="2817091" y="4625802"/>
-            <a:ext cx="1085273" cy="330970"/>
-          </a:xfrm>
-          <a:prstGeom prst="rect">
-            <a:avLst/>
-          </a:prstGeom>
-        </p:spPr>
-        <p:style>
-          <a:lnRef idx="1">
-            <a:schemeClr val="accent1"/>
-          </a:lnRef>
-          <a:fillRef idx="3">
-            <a:schemeClr val="accent1"/>
-          </a:fillRef>
-          <a:effectRef idx="2">
-            <a:schemeClr val="accent1"/>
-          </a:effectRef>
-          <a:fontRef idx="minor">
-            <a:schemeClr val="lt1"/>
-          </a:fontRef>
-        </p:style>
-        <p:txBody>
-          <a:bodyPr rtlCol="0" anchor="ctr"/>
-          <a:lstStyle/>
-          <a:p>
-            <a:pPr algn="ctr"/>
-            <a:r>
-              <a:rPr lang="en-US" sz="1200" dirty="0" smtClean="0"/>
-              <a:t>Sign In</a:t>
-            </a:r>
-            <a:endParaRPr lang="en-US" sz="1200" dirty="0"/>
-          </a:p>
-        </p:txBody>
-      </p:sp>
-      <p:sp>
-        <p:nvSpPr>
-          <p:cNvPr id="10" name="TextBox 9"/>
-          <p:cNvSpPr txBox="1"/>
-          <p:nvPr/>
-        </p:nvSpPr>
-        <p:spPr>
-          <a:xfrm>
-            <a:off x="2532303" y="4325659"/>
-            <a:ext cx="1039805" cy="230832"/>
-          </a:xfrm>
-          <a:prstGeom prst="rect">
-            <a:avLst/>
-          </a:prstGeom>
-          <a:noFill/>
-        </p:spPr>
-        <p:txBody>
-          <a:bodyPr wrap="none" rtlCol="0">
-            <a:spAutoFit/>
-          </a:bodyPr>
-          <a:lstStyle/>
-          <a:p>
-            <a:r>
-              <a:rPr lang="en-US" sz="900" dirty="0" smtClean="0"/>
-              <a:t>Keep me signed in</a:t>
-            </a:r>
-            <a:endParaRPr lang="en-US" sz="900" dirty="0"/>
-          </a:p>
-        </p:txBody>
-      </p:sp>
-      <p:sp>
-        <p:nvSpPr>
-          <p:cNvPr id="11" name="Frame 10"/>
-          <p:cNvSpPr/>
-          <p:nvPr/>
-        </p:nvSpPr>
-        <p:spPr>
-          <a:xfrm>
-            <a:off x="2439940" y="4364105"/>
-            <a:ext cx="138545" cy="153901"/>
-          </a:xfrm>
-          <a:prstGeom prst="frame">
-            <a:avLst/>
-          </a:prstGeom>
-        </p:spPr>
-        <p:style>
-          <a:lnRef idx="1">
-            <a:schemeClr val="accent1"/>
-          </a:lnRef>
-          <a:fillRef idx="3">
-            <a:schemeClr val="accent1"/>
-          </a:fillRef>
-          <a:effectRef idx="2">
-            <a:schemeClr val="accent1"/>
-          </a:effectRef>
-          <a:fontRef idx="minor">
-            <a:schemeClr val="lt1"/>
-          </a:fontRef>
-        </p:style>
-        <p:txBody>
-          <a:bodyPr rtlCol="0" anchor="ctr"/>
-          <a:lstStyle/>
-          <a:p>
-            <a:pPr algn="ctr"/>
-            <a:endParaRPr lang="en-US">
-              <a:solidFill>
-                <a:schemeClr val="tx1"/>
-              </a:solidFill>
-            </a:endParaRPr>
-          </a:p>
-        </p:txBody>
-      </p:sp>
-      <p:sp>
-        <p:nvSpPr>
-          <p:cNvPr id="12" name="TextBox 11"/>
-          <p:cNvSpPr txBox="1"/>
-          <p:nvPr/>
-        </p:nvSpPr>
-        <p:spPr>
-          <a:xfrm>
-            <a:off x="2329274" y="4014692"/>
-            <a:ext cx="1050688" cy="230832"/>
-          </a:xfrm>
-          <a:prstGeom prst="rect">
-            <a:avLst/>
-          </a:prstGeom>
-          <a:noFill/>
-        </p:spPr>
-        <p:txBody>
-          <a:bodyPr wrap="none" rtlCol="0">
-            <a:spAutoFit/>
-          </a:bodyPr>
-          <a:lstStyle/>
-          <a:p>
-            <a:r>
-              <a:rPr lang="en-US" sz="900" u="sng" dirty="0" smtClean="0"/>
-              <a:t>Forgot password?</a:t>
-            </a:r>
-            <a:endParaRPr lang="en-US" sz="900" u="sng" dirty="0"/>
+              <a:rPr lang="ko-KR" altLang="en-US" sz="1200" dirty="0" smtClean="0"/>
+              <a:t>제품상세페이지를 따로 또 해야할까</a:t>
+            </a:r>
+            <a:r>
+              <a:rPr lang="en-US" altLang="ko-KR" sz="1200" dirty="0" smtClean="0"/>
+              <a:t>? </a:t>
+            </a:r>
+            <a:r>
+              <a:rPr lang="en-US" altLang="ko-KR" sz="1200" smtClean="0"/>
+              <a:t>Use case???</a:t>
+            </a:r>
+            <a:endParaRPr lang="en-US" sz="1200"/>
           </a:p>
         </p:txBody>
       </p:sp>
     </p:spTree>
     <p:extLst>
       <p:ext uri="{BB962C8B-B14F-4D97-AF65-F5344CB8AC3E}">
-        <p14:creationId xmlns:p14="http://schemas.microsoft.com/office/powerpoint/2010/main" val="525297903"/>
+        <p14:creationId xmlns:p14="http://schemas.microsoft.com/office/powerpoint/2010/main" val="2084804452"/>
       </p:ext>
     </p:extLst>
   </p:cSld>
@@ -8025,13 +8664,13 @@
       </p:grpSpPr>
       <p:sp>
         <p:nvSpPr>
-          <p:cNvPr id="2" name="Rectangle 1"/>
+          <p:cNvPr id="49" name="Rectangle 48"/>
           <p:cNvSpPr/>
           <p:nvPr/>
         </p:nvSpPr>
         <p:spPr>
           <a:xfrm>
-            <a:off x="447102" y="1924243"/>
+            <a:off x="447102" y="307879"/>
             <a:ext cx="5621203" cy="654242"/>
           </a:xfrm>
           <a:prstGeom prst="rect">
@@ -8083,13 +8722,13 @@
       </p:sp>
       <p:sp>
         <p:nvSpPr>
-          <p:cNvPr id="3" name="Rectangle 2"/>
+          <p:cNvPr id="52" name="Rectangle 51"/>
           <p:cNvSpPr/>
           <p:nvPr/>
         </p:nvSpPr>
         <p:spPr>
           <a:xfrm>
-            <a:off x="515487" y="7632983"/>
+            <a:off x="431133" y="8195752"/>
             <a:ext cx="5621203" cy="654242"/>
           </a:xfrm>
           <a:prstGeom prst="rect">
@@ -8139,16 +8778,40 @@
           </a:p>
         </p:txBody>
       </p:sp>
-      <p:sp>
-        <p:nvSpPr>
-          <p:cNvPr id="4" name="TextBox 3"/>
+      <p:pic>
+        <p:nvPicPr>
+          <p:cNvPr id="39" name="Picture 38"/>
+          <p:cNvPicPr>
+            <a:picLocks noChangeAspect="1"/>
+          </p:cNvPicPr>
+          <p:nvPr/>
+        </p:nvPicPr>
+        <p:blipFill>
+          <a:blip r:embed="rId2"/>
+          <a:stretch>
+            <a:fillRect/>
+          </a:stretch>
+        </p:blipFill>
+        <p:spPr>
+          <a:xfrm>
+            <a:off x="1438907" y="3371756"/>
+            <a:ext cx="1399221" cy="2096826"/>
+          </a:xfrm>
+          <a:prstGeom prst="rect">
+            <a:avLst/>
+          </a:prstGeom>
+        </p:spPr>
+      </p:pic>
+      <p:sp>
+        <p:nvSpPr>
+          <p:cNvPr id="40" name="TextBox 39"/>
           <p:cNvSpPr txBox="1"/>
           <p:nvPr/>
         </p:nvSpPr>
         <p:spPr>
           <a:xfrm>
-            <a:off x="1185333" y="1346970"/>
-            <a:ext cx="925416" cy="369332"/>
+            <a:off x="2973628" y="3472990"/>
+            <a:ext cx="787395" cy="353943"/>
           </a:xfrm>
           <a:prstGeom prst="rect">
             <a:avLst/>
@@ -8162,65 +8825,37 @@
           <a:lstStyle/>
           <a:p>
             <a:r>
-              <a:rPr lang="en-US" i="1" dirty="0" smtClean="0"/>
-              <a:t>Sign up</a:t>
-            </a:r>
-            <a:endParaRPr lang="en-US" i="1" dirty="0"/>
-          </a:p>
-        </p:txBody>
-      </p:sp>
-      <p:sp>
-        <p:nvSpPr>
-          <p:cNvPr id="5" name="TextBox 4"/>
-          <p:cNvSpPr txBox="1"/>
-          <p:nvPr/>
-        </p:nvSpPr>
-        <p:spPr>
-          <a:xfrm>
-            <a:off x="1339273" y="3255818"/>
-            <a:ext cx="990000" cy="261610"/>
-          </a:xfrm>
-          <a:prstGeom prst="rect">
-            <a:avLst/>
-          </a:prstGeom>
-          <a:noFill/>
-        </p:spPr>
-        <p:txBody>
-          <a:bodyPr wrap="none" rtlCol="0">
-            <a:spAutoFit/>
-          </a:bodyPr>
-          <a:lstStyle/>
-          <a:p>
-            <a:r>
-              <a:rPr lang="en-US" sz="1100" dirty="0" smtClean="0"/>
-              <a:t>Email Address</a:t>
-            </a:r>
-            <a:endParaRPr lang="en-US" sz="1100" dirty="0"/>
-          </a:p>
-        </p:txBody>
-      </p:sp>
-      <p:sp>
-        <p:nvSpPr>
-          <p:cNvPr id="6" name="Rectangle 5"/>
+              <a:rPr lang="en-US" sz="900" dirty="0" smtClean="0"/>
+              <a:t>Brand Name</a:t>
+            </a:r>
+          </a:p>
+          <a:p>
+            <a:r>
+              <a:rPr lang="en-US" sz="800" dirty="0" smtClean="0"/>
+              <a:t>Product Name</a:t>
+            </a:r>
+            <a:endParaRPr lang="en-US" sz="1000" b="1" dirty="0">
+              <a:solidFill>
+                <a:srgbClr val="FF0000"/>
+              </a:solidFill>
+            </a:endParaRPr>
+          </a:p>
+        </p:txBody>
+      </p:sp>
+      <p:sp>
+        <p:nvSpPr>
+          <p:cNvPr id="48" name="Rounded Rectangle 47"/>
           <p:cNvSpPr/>
           <p:nvPr/>
         </p:nvSpPr>
         <p:spPr>
           <a:xfrm>
-            <a:off x="2329273" y="3255818"/>
-            <a:ext cx="1927151" cy="261610"/>
-          </a:xfrm>
-          <a:prstGeom prst="rect">
-            <a:avLst/>
-          </a:prstGeom>
-          <a:noFill/>
-          <a:ln>
-            <a:solidFill>
-              <a:schemeClr val="bg1">
-                <a:lumMod val="50000"/>
-              </a:schemeClr>
-            </a:solidFill>
-          </a:ln>
+            <a:off x="3136202" y="5177010"/>
+            <a:ext cx="583172" cy="226778"/>
+          </a:xfrm>
+          <a:prstGeom prst="roundRect">
+            <a:avLst/>
+          </a:prstGeom>
         </p:spPr>
         <p:style>
           <a:lnRef idx="1">
@@ -8241,35 +8876,9 @@
           <a:lstStyle/>
           <a:p>
             <a:pPr algn="ctr"/>
-            <a:endParaRPr lang="en-US"/>
-          </a:p>
-        </p:txBody>
-      </p:sp>
-      <p:sp>
-        <p:nvSpPr>
-          <p:cNvPr id="7" name="TextBox 6"/>
-          <p:cNvSpPr txBox="1"/>
-          <p:nvPr/>
-        </p:nvSpPr>
-        <p:spPr>
-          <a:xfrm>
-            <a:off x="1570183" y="3739188"/>
-            <a:ext cx="733976" cy="261610"/>
-          </a:xfrm>
-          <a:prstGeom prst="rect">
-            <a:avLst/>
-          </a:prstGeom>
-          <a:noFill/>
-        </p:spPr>
-        <p:txBody>
-          <a:bodyPr wrap="none" rtlCol="0">
-            <a:spAutoFit/>
-          </a:bodyPr>
-          <a:lstStyle/>
-          <a:p>
             <a:r>
               <a:rPr lang="en-US" sz="1100" dirty="0" smtClean="0"/>
-              <a:t>Password</a:t>
+              <a:t>Shop</a:t>
             </a:r>
             <a:endParaRPr lang="en-US" sz="1100" dirty="0"/>
           </a:p>
@@ -8277,26 +8886,18 @@
       </p:sp>
       <p:sp>
         <p:nvSpPr>
-          <p:cNvPr id="8" name="Rectangle 7"/>
+          <p:cNvPr id="50" name="Rounded Rectangle 49"/>
           <p:cNvSpPr/>
           <p:nvPr/>
         </p:nvSpPr>
         <p:spPr>
           <a:xfrm>
-            <a:off x="2329273" y="3739188"/>
-            <a:ext cx="1927151" cy="261610"/>
-          </a:xfrm>
-          <a:prstGeom prst="rect">
-            <a:avLst/>
-          </a:prstGeom>
-          <a:noFill/>
-          <a:ln>
-            <a:solidFill>
-              <a:schemeClr val="bg1">
-                <a:lumMod val="50000"/>
-              </a:schemeClr>
-            </a:solidFill>
-          </a:ln>
+            <a:off x="3936575" y="5177186"/>
+            <a:ext cx="1145894" cy="226778"/>
+          </a:xfrm>
+          <a:prstGeom prst="roundRect">
+            <a:avLst/>
+          </a:prstGeom>
         </p:spPr>
         <p:style>
           <a:lnRef idx="1">
@@ -8317,20 +8918,28 @@
           <a:lstStyle/>
           <a:p>
             <a:pPr algn="ctr"/>
-            <a:endParaRPr lang="en-US"/>
-          </a:p>
-        </p:txBody>
-      </p:sp>
-      <p:sp>
-        <p:nvSpPr>
-          <p:cNvPr id="9" name="TextBox 8"/>
+            <a:r>
+              <a:rPr lang="en-US" sz="1100" dirty="0" smtClean="0"/>
+              <a:t>Add to My </a:t>
+            </a:r>
+            <a:r>
+              <a:rPr lang="en-US" sz="1100" dirty="0" err="1" smtClean="0"/>
+              <a:t>Favs</a:t>
+            </a:r>
+            <a:endParaRPr lang="en-US" sz="1100" dirty="0"/>
+          </a:p>
+        </p:txBody>
+      </p:sp>
+      <p:sp>
+        <p:nvSpPr>
+          <p:cNvPr id="51" name="TextBox 50"/>
           <p:cNvSpPr txBox="1"/>
           <p:nvPr/>
         </p:nvSpPr>
         <p:spPr>
           <a:xfrm>
-            <a:off x="1754911" y="4207163"/>
-            <a:ext cx="526168" cy="261610"/>
+            <a:off x="4679169" y="3209368"/>
+            <a:ext cx="620683" cy="215444"/>
           </a:xfrm>
           <a:prstGeom prst="rect">
             <a:avLst/>
@@ -8343,36 +8952,137 @@
           </a:bodyPr>
           <a:lstStyle/>
           <a:p>
-            <a:pPr algn="r"/>
-            <a:r>
-              <a:rPr lang="en-US" sz="1100" dirty="0" smtClean="0"/>
-              <a:t>Name</a:t>
-            </a:r>
-            <a:endParaRPr lang="en-US" sz="1100" dirty="0"/>
-          </a:p>
-        </p:txBody>
-      </p:sp>
-      <p:sp>
-        <p:nvSpPr>
-          <p:cNvPr id="10" name="Rectangle 9"/>
+            <a:r>
+              <a:rPr lang="en-US" sz="800" u="sng" dirty="0" smtClean="0"/>
+              <a:t>Disclaimer</a:t>
+            </a:r>
+            <a:endParaRPr lang="en-US" sz="800" u="sng" dirty="0"/>
+          </a:p>
+        </p:txBody>
+      </p:sp>
+      <p:sp>
+        <p:nvSpPr>
+          <p:cNvPr id="58" name="TextBox 57"/>
+          <p:cNvSpPr txBox="1"/>
+          <p:nvPr/>
+        </p:nvSpPr>
+        <p:spPr>
+          <a:xfrm>
+            <a:off x="3133085" y="4227648"/>
+            <a:ext cx="1137639" cy="646331"/>
+          </a:xfrm>
+          <a:prstGeom prst="rect">
+            <a:avLst/>
+          </a:prstGeom>
+          <a:noFill/>
+        </p:spPr>
+        <p:txBody>
+          <a:bodyPr wrap="none" rtlCol="0">
+            <a:spAutoFit/>
+          </a:bodyPr>
+          <a:lstStyle/>
+          <a:p>
+            <a:r>
+              <a:rPr lang="en-US" sz="900" b="1" dirty="0" smtClean="0">
+                <a:solidFill>
+                  <a:srgbClr val="FF0000"/>
+                </a:solidFill>
+              </a:rPr>
+              <a:t>$103.45 now (23%)</a:t>
+            </a:r>
+          </a:p>
+          <a:p>
+            <a:r>
+              <a:rPr lang="en-US" sz="900" b="1" dirty="0" smtClean="0"/>
+              <a:t>$123.45</a:t>
+            </a:r>
+          </a:p>
+          <a:p>
+            <a:r>
+              <a:rPr lang="en-US" sz="900" b="1" dirty="0">
+                <a:solidFill>
+                  <a:schemeClr val="bg1">
+                    <a:lumMod val="50000"/>
+                  </a:schemeClr>
+                </a:solidFill>
+              </a:rPr>
+              <a:t>$</a:t>
+            </a:r>
+            <a:r>
+              <a:rPr lang="en-US" sz="900" b="1" dirty="0" smtClean="0">
+                <a:solidFill>
+                  <a:schemeClr val="bg1">
+                    <a:lumMod val="50000"/>
+                  </a:schemeClr>
+                </a:solidFill>
+              </a:rPr>
+              <a:t>153.45</a:t>
+            </a:r>
+          </a:p>
+          <a:p>
+            <a:r>
+              <a:rPr lang="en-US" sz="900" b="1" dirty="0" smtClean="0">
+                <a:solidFill>
+                  <a:schemeClr val="bg1">
+                    <a:lumMod val="75000"/>
+                  </a:schemeClr>
+                </a:solidFill>
+              </a:rPr>
+              <a:t>$123.45</a:t>
+            </a:r>
+          </a:p>
+        </p:txBody>
+      </p:sp>
+      <p:sp>
+        <p:nvSpPr>
+          <p:cNvPr id="59" name="TextBox 58"/>
+          <p:cNvSpPr txBox="1"/>
+          <p:nvPr/>
+        </p:nvSpPr>
+        <p:spPr>
+          <a:xfrm>
+            <a:off x="2970571" y="3742214"/>
+            <a:ext cx="971446" cy="230832"/>
+          </a:xfrm>
+          <a:prstGeom prst="rect">
+            <a:avLst/>
+          </a:prstGeom>
+          <a:noFill/>
+        </p:spPr>
+        <p:txBody>
+          <a:bodyPr wrap="none" rtlCol="0">
+            <a:spAutoFit/>
+          </a:bodyPr>
+          <a:lstStyle/>
+          <a:p>
+            <a:r>
+              <a:rPr lang="en-US" sz="900" dirty="0" smtClean="0"/>
+              <a:t>Item No: 123456</a:t>
+            </a:r>
+          </a:p>
+        </p:txBody>
+      </p:sp>
+      <p:sp>
+        <p:nvSpPr>
+          <p:cNvPr id="60" name="Rounded Rectangle 59"/>
           <p:cNvSpPr/>
           <p:nvPr/>
         </p:nvSpPr>
         <p:spPr>
           <a:xfrm>
-            <a:off x="2329273" y="4207163"/>
-            <a:ext cx="1927151" cy="261610"/>
-          </a:xfrm>
-          <a:prstGeom prst="rect">
-            <a:avLst/>
-          </a:prstGeom>
-          <a:noFill/>
+            <a:off x="3667250" y="4452697"/>
+            <a:ext cx="886712" cy="238606"/>
+          </a:xfrm>
+          <a:prstGeom prst="roundRect">
+            <a:avLst/>
+          </a:prstGeom>
+          <a:solidFill>
+            <a:schemeClr val="bg2">
+              <a:lumMod val="90000"/>
+            </a:schemeClr>
+          </a:solidFill>
           <a:ln>
-            <a:solidFill>
-              <a:schemeClr val="bg1">
-                <a:lumMod val="50000"/>
-              </a:schemeClr>
-            </a:solidFill>
+            <a:noFill/>
           </a:ln>
         </p:spPr>
         <p:style>
@@ -8394,20 +9104,24 @@
           <a:lstStyle/>
           <a:p>
             <a:pPr algn="ctr"/>
-            <a:endParaRPr lang="en-US"/>
-          </a:p>
-        </p:txBody>
-      </p:sp>
-      <p:sp>
-        <p:nvSpPr>
-          <p:cNvPr id="11" name="TextBox 10"/>
+            <a:r>
+              <a:rPr lang="en-US" sz="1000" dirty="0" smtClean="0"/>
+              <a:t>30 days ago</a:t>
+            </a:r>
+            <a:endParaRPr lang="en-US" sz="1000" dirty="0"/>
+          </a:p>
+        </p:txBody>
+      </p:sp>
+      <p:sp>
+        <p:nvSpPr>
+          <p:cNvPr id="63" name="TextBox 62"/>
           <p:cNvSpPr txBox="1"/>
           <p:nvPr/>
         </p:nvSpPr>
         <p:spPr>
           <a:xfrm>
-            <a:off x="2516909" y="3486640"/>
-            <a:ext cx="1239292" cy="215444"/>
+            <a:off x="934301" y="2706342"/>
+            <a:ext cx="3138226" cy="200055"/>
           </a:xfrm>
           <a:prstGeom prst="rect">
             <a:avLst/>
@@ -8421,369 +9135,17 @@
           <a:lstStyle/>
           <a:p>
             <a:r>
-              <a:rPr lang="en-US" sz="800" dirty="0" smtClean="0">
-                <a:solidFill>
-                  <a:srgbClr val="FF0000"/>
-                </a:solidFill>
-              </a:rPr>
-              <a:t>Email Address is required</a:t>
-            </a:r>
-            <a:endParaRPr lang="en-US" sz="800" dirty="0">
-              <a:solidFill>
-                <a:srgbClr val="FF0000"/>
-              </a:solidFill>
-            </a:endParaRPr>
-          </a:p>
-        </p:txBody>
-      </p:sp>
-      <p:sp>
-        <p:nvSpPr>
-          <p:cNvPr id="12" name="TextBox 11"/>
-          <p:cNvSpPr txBox="1"/>
-          <p:nvPr/>
-        </p:nvSpPr>
-        <p:spPr>
-          <a:xfrm>
-            <a:off x="2516909" y="3968628"/>
-            <a:ext cx="1056700" cy="215444"/>
-          </a:xfrm>
-          <a:prstGeom prst="rect">
-            <a:avLst/>
-          </a:prstGeom>
-          <a:noFill/>
-        </p:spPr>
-        <p:txBody>
-          <a:bodyPr wrap="none" rtlCol="0">
-            <a:spAutoFit/>
-          </a:bodyPr>
-          <a:lstStyle/>
-          <a:p>
-            <a:r>
-              <a:rPr lang="en-US" sz="800" dirty="0" smtClean="0">
-                <a:solidFill>
-                  <a:srgbClr val="FF0000"/>
-                </a:solidFill>
-              </a:rPr>
-              <a:t>Password is required</a:t>
-            </a:r>
-            <a:endParaRPr lang="en-US" sz="800" dirty="0">
-              <a:solidFill>
-                <a:srgbClr val="FF0000"/>
-              </a:solidFill>
-            </a:endParaRPr>
-          </a:p>
-        </p:txBody>
-      </p:sp>
-      <p:sp>
-        <p:nvSpPr>
-          <p:cNvPr id="13" name="TextBox 12"/>
-          <p:cNvSpPr txBox="1"/>
-          <p:nvPr/>
-        </p:nvSpPr>
-        <p:spPr>
-          <a:xfrm>
-            <a:off x="2530764" y="4468773"/>
-            <a:ext cx="902811" cy="215444"/>
-          </a:xfrm>
-          <a:prstGeom prst="rect">
-            <a:avLst/>
-          </a:prstGeom>
-          <a:noFill/>
-        </p:spPr>
-        <p:txBody>
-          <a:bodyPr wrap="none" rtlCol="0">
-            <a:spAutoFit/>
-          </a:bodyPr>
-          <a:lstStyle/>
-          <a:p>
-            <a:r>
-              <a:rPr lang="en-US" sz="800" dirty="0" smtClean="0">
-                <a:solidFill>
-                  <a:srgbClr val="FF0000"/>
-                </a:solidFill>
-              </a:rPr>
-              <a:t>Name is required</a:t>
-            </a:r>
-            <a:endParaRPr lang="en-US" sz="800" dirty="0">
-              <a:solidFill>
-                <a:srgbClr val="FF0000"/>
-              </a:solidFill>
-            </a:endParaRPr>
-          </a:p>
-        </p:txBody>
-      </p:sp>
-      <p:sp>
-        <p:nvSpPr>
-          <p:cNvPr id="14" name="Rectangle 13"/>
-          <p:cNvSpPr/>
-          <p:nvPr/>
-        </p:nvSpPr>
-        <p:spPr>
-          <a:xfrm>
-            <a:off x="2890938" y="4933757"/>
-            <a:ext cx="1085273" cy="330970"/>
-          </a:xfrm>
-          <a:prstGeom prst="rect">
-            <a:avLst/>
-          </a:prstGeom>
-        </p:spPr>
-        <p:style>
-          <a:lnRef idx="1">
-            <a:schemeClr val="accent1"/>
-          </a:lnRef>
-          <a:fillRef idx="3">
-            <a:schemeClr val="accent1"/>
-          </a:fillRef>
-          <a:effectRef idx="2">
-            <a:schemeClr val="accent1"/>
-          </a:effectRef>
-          <a:fontRef idx="minor">
-            <a:schemeClr val="lt1"/>
-          </a:fontRef>
-        </p:style>
-        <p:txBody>
-          <a:bodyPr rtlCol="0" anchor="ctr"/>
-          <a:lstStyle/>
-          <a:p>
-            <a:pPr algn="ctr"/>
-            <a:r>
-              <a:rPr lang="en-US" sz="1200" dirty="0" smtClean="0"/>
-              <a:t>Sign Up</a:t>
-            </a:r>
-            <a:endParaRPr lang="en-US" sz="1200" dirty="0"/>
-          </a:p>
-        </p:txBody>
-      </p:sp>
-      <p:sp>
-        <p:nvSpPr>
-          <p:cNvPr id="15" name="Rounded Rectangular Callout 14"/>
-          <p:cNvSpPr/>
-          <p:nvPr/>
-        </p:nvSpPr>
-        <p:spPr>
-          <a:xfrm>
-            <a:off x="4525818" y="3739188"/>
-            <a:ext cx="1123758" cy="347903"/>
-          </a:xfrm>
-          <a:prstGeom prst="wedgeRoundRectCallout">
-            <a:avLst>
-              <a:gd name="adj1" fmla="val -72203"/>
-              <a:gd name="adj2" fmla="val -19358"/>
-              <a:gd name="adj3" fmla="val 16667"/>
-            </a:avLst>
-          </a:prstGeom>
-        </p:spPr>
-        <p:style>
-          <a:lnRef idx="1">
-            <a:schemeClr val="accent1"/>
-          </a:lnRef>
-          <a:fillRef idx="3">
-            <a:schemeClr val="accent1"/>
-          </a:fillRef>
-          <a:effectRef idx="2">
-            <a:schemeClr val="accent1"/>
-          </a:effectRef>
-          <a:fontRef idx="minor">
-            <a:schemeClr val="lt1"/>
-          </a:fontRef>
-        </p:style>
-        <p:txBody>
-          <a:bodyPr rtlCol="0" anchor="ctr"/>
-          <a:lstStyle/>
-          <a:p>
-            <a:pPr algn="ctr"/>
-            <a:r>
-              <a:rPr lang="en-US" sz="900" dirty="0" smtClean="0"/>
-              <a:t>At least more than 6 characters</a:t>
-            </a:r>
-            <a:endParaRPr lang="en-US" sz="900" dirty="0"/>
-          </a:p>
-        </p:txBody>
-      </p:sp>
-      <p:sp>
-        <p:nvSpPr>
-          <p:cNvPr id="16" name="TextBox 15"/>
-          <p:cNvSpPr txBox="1"/>
-          <p:nvPr/>
-        </p:nvSpPr>
-        <p:spPr>
-          <a:xfrm>
-            <a:off x="4319702" y="2940872"/>
-            <a:ext cx="1452969" cy="200055"/>
-          </a:xfrm>
-          <a:prstGeom prst="rect">
-            <a:avLst/>
-          </a:prstGeom>
-          <a:noFill/>
-        </p:spPr>
-        <p:txBody>
-          <a:bodyPr wrap="none" rtlCol="0">
-            <a:spAutoFit/>
-          </a:bodyPr>
-          <a:lstStyle/>
-          <a:p>
-            <a:r>
               <a:rPr lang="en-US" sz="700" i="1" dirty="0" smtClean="0"/>
-              <a:t>When password boxed got a focus</a:t>
+              <a:t>Same screen as product detail popup, but in normal page with header and footer</a:t>
             </a:r>
             <a:endParaRPr lang="en-US" sz="700" i="1" dirty="0"/>
-          </a:p>
-        </p:txBody>
-      </p:sp>
-      <p:sp>
-        <p:nvSpPr>
-          <p:cNvPr id="18" name="Rounded Rectangular Callout 17"/>
-          <p:cNvSpPr/>
-          <p:nvPr/>
-        </p:nvSpPr>
-        <p:spPr>
-          <a:xfrm>
-            <a:off x="4525818" y="3283381"/>
-            <a:ext cx="1123758" cy="347903"/>
-          </a:xfrm>
-          <a:prstGeom prst="wedgeRoundRectCallout">
-            <a:avLst>
-              <a:gd name="adj1" fmla="val -72203"/>
-              <a:gd name="adj2" fmla="val -19358"/>
-              <a:gd name="adj3" fmla="val 16667"/>
-            </a:avLst>
-          </a:prstGeom>
-        </p:spPr>
-        <p:style>
-          <a:lnRef idx="1">
-            <a:schemeClr val="accent1"/>
-          </a:lnRef>
-          <a:fillRef idx="3">
-            <a:schemeClr val="accent1"/>
-          </a:fillRef>
-          <a:effectRef idx="2">
-            <a:schemeClr val="accent1"/>
-          </a:effectRef>
-          <a:fontRef idx="minor">
-            <a:schemeClr val="lt1"/>
-          </a:fontRef>
-        </p:style>
-        <p:txBody>
-          <a:bodyPr rtlCol="0" anchor="ctr"/>
-          <a:lstStyle/>
-          <a:p>
-            <a:pPr algn="ctr"/>
-            <a:r>
-              <a:rPr lang="en-US" sz="900" dirty="0" smtClean="0"/>
-              <a:t>At least more than 6 characters</a:t>
-            </a:r>
-            <a:endParaRPr lang="en-US" sz="900" dirty="0"/>
-          </a:p>
-        </p:txBody>
-      </p:sp>
-      <p:sp>
-        <p:nvSpPr>
-          <p:cNvPr id="19" name="Rounded Rectangular Callout 18"/>
-          <p:cNvSpPr/>
-          <p:nvPr/>
-        </p:nvSpPr>
-        <p:spPr>
-          <a:xfrm>
-            <a:off x="4525817" y="4219924"/>
-            <a:ext cx="1246853" cy="347903"/>
-          </a:xfrm>
-          <a:prstGeom prst="wedgeRoundRectCallout">
-            <a:avLst>
-              <a:gd name="adj1" fmla="val -72203"/>
-              <a:gd name="adj2" fmla="val -19358"/>
-              <a:gd name="adj3" fmla="val 16667"/>
-            </a:avLst>
-          </a:prstGeom>
-        </p:spPr>
-        <p:style>
-          <a:lnRef idx="1">
-            <a:schemeClr val="accent1"/>
-          </a:lnRef>
-          <a:fillRef idx="3">
-            <a:schemeClr val="accent1"/>
-          </a:fillRef>
-          <a:effectRef idx="2">
-            <a:schemeClr val="accent1"/>
-          </a:effectRef>
-          <a:fontRef idx="minor">
-            <a:schemeClr val="lt1"/>
-          </a:fontRef>
-        </p:style>
-        <p:txBody>
-          <a:bodyPr rtlCol="0" anchor="ctr"/>
-          <a:lstStyle/>
-          <a:p>
-            <a:pPr algn="ctr"/>
-            <a:r>
-              <a:rPr lang="en-US" sz="900" dirty="0" smtClean="0"/>
-              <a:t>Let us know how you want us to call you</a:t>
-            </a:r>
-            <a:endParaRPr lang="en-US" sz="900" dirty="0"/>
-          </a:p>
-        </p:txBody>
-      </p:sp>
-      <p:sp>
-        <p:nvSpPr>
-          <p:cNvPr id="20" name="TextBox 19"/>
-          <p:cNvSpPr txBox="1"/>
-          <p:nvPr/>
-        </p:nvSpPr>
-        <p:spPr>
-          <a:xfrm>
-            <a:off x="896649" y="5803872"/>
-            <a:ext cx="4314001" cy="800219"/>
-          </a:xfrm>
-          <a:prstGeom prst="rect">
-            <a:avLst/>
-          </a:prstGeom>
-          <a:noFill/>
-        </p:spPr>
-        <p:txBody>
-          <a:bodyPr wrap="none" rtlCol="0">
-            <a:spAutoFit/>
-          </a:bodyPr>
-          <a:lstStyle/>
-          <a:p>
-            <a:r>
-              <a:rPr lang="en-US" dirty="0" smtClean="0"/>
-              <a:t>With sign up</a:t>
-            </a:r>
-          </a:p>
-          <a:p>
-            <a:r>
-              <a:rPr lang="en-US" sz="1400" dirty="0"/>
-              <a:t> </a:t>
-            </a:r>
-            <a:r>
-              <a:rPr lang="en-US" sz="1400" dirty="0" smtClean="0"/>
-              <a:t> - you can get emails on various sale information</a:t>
-            </a:r>
-          </a:p>
-          <a:p>
-            <a:r>
-              <a:rPr lang="en-US" sz="1400" dirty="0"/>
-              <a:t> </a:t>
-            </a:r>
-            <a:r>
-              <a:rPr lang="en-US" sz="1400" dirty="0" smtClean="0"/>
-              <a:t> - you can get emails when the price of your </a:t>
-            </a:r>
-            <a:r>
-              <a:rPr lang="en-US" sz="1400" dirty="0" err="1" smtClean="0"/>
-              <a:t>favs</a:t>
-            </a:r>
-            <a:r>
-              <a:rPr lang="en-US" sz="1400" dirty="0" smtClean="0"/>
-              <a:t> change</a:t>
-            </a:r>
-            <a:endParaRPr lang="en-US" sz="1400" dirty="0"/>
           </a:p>
         </p:txBody>
       </p:sp>
     </p:spTree>
     <p:extLst>
       <p:ext uri="{BB962C8B-B14F-4D97-AF65-F5344CB8AC3E}">
-        <p14:creationId xmlns:p14="http://schemas.microsoft.com/office/powerpoint/2010/main" val="3804072500"/>
+        <p14:creationId xmlns:p14="http://schemas.microsoft.com/office/powerpoint/2010/main" val="1536692936"/>
       </p:ext>
     </p:extLst>
   </p:cSld>
@@ -8928,14 +9290,14 @@
       </p:sp>
       <p:sp>
         <p:nvSpPr>
-          <p:cNvPr id="4" name="TextBox 3"/>
+          <p:cNvPr id="5" name="TextBox 4"/>
           <p:cNvSpPr txBox="1"/>
           <p:nvPr/>
         </p:nvSpPr>
         <p:spPr>
           <a:xfrm>
-            <a:off x="1185333" y="1346970"/>
-            <a:ext cx="2367442" cy="369332"/>
+            <a:off x="1339273" y="3255818"/>
+            <a:ext cx="990000" cy="261610"/>
           </a:xfrm>
           <a:prstGeom prst="rect">
             <a:avLst/>
@@ -8949,23 +9311,69 @@
           <a:lstStyle/>
           <a:p>
             <a:r>
-              <a:rPr lang="en-US" i="1" dirty="0" smtClean="0"/>
-              <a:t>General message page</a:t>
-            </a:r>
-            <a:endParaRPr lang="en-US" i="1" dirty="0"/>
-          </a:p>
-        </p:txBody>
-      </p:sp>
-      <p:sp>
-        <p:nvSpPr>
-          <p:cNvPr id="18" name="TextBox 17"/>
+              <a:rPr lang="en-US" sz="1100" dirty="0" smtClean="0"/>
+              <a:t>Email Address</a:t>
+            </a:r>
+            <a:endParaRPr lang="en-US" sz="1100" dirty="0"/>
+          </a:p>
+        </p:txBody>
+      </p:sp>
+      <p:sp>
+        <p:nvSpPr>
+          <p:cNvPr id="6" name="Rectangle 5"/>
+          <p:cNvSpPr/>
+          <p:nvPr/>
+        </p:nvSpPr>
+        <p:spPr>
+          <a:xfrm>
+            <a:off x="2329274" y="3255818"/>
+            <a:ext cx="1804000" cy="261610"/>
+          </a:xfrm>
+          <a:prstGeom prst="rect">
+            <a:avLst/>
+          </a:prstGeom>
+          <a:noFill/>
+          <a:ln>
+            <a:solidFill>
+              <a:schemeClr val="bg1">
+                <a:lumMod val="50000"/>
+              </a:schemeClr>
+            </a:solidFill>
+          </a:ln>
+        </p:spPr>
+        <p:style>
+          <a:lnRef idx="1">
+            <a:schemeClr val="accent1"/>
+          </a:lnRef>
+          <a:fillRef idx="3">
+            <a:schemeClr val="accent1"/>
+          </a:fillRef>
+          <a:effectRef idx="2">
+            <a:schemeClr val="accent1"/>
+          </a:effectRef>
+          <a:fontRef idx="minor">
+            <a:schemeClr val="lt1"/>
+          </a:fontRef>
+        </p:style>
+        <p:txBody>
+          <a:bodyPr rtlCol="0" anchor="ctr"/>
+          <a:lstStyle/>
+          <a:p>
+            <a:pPr algn="ctr"/>
+            <a:endParaRPr lang="en-US"/>
+          </a:p>
+        </p:txBody>
+      </p:sp>
+      <p:sp>
+        <p:nvSpPr>
+          <p:cNvPr id="7" name="TextBox 6"/>
           <p:cNvSpPr txBox="1"/>
           <p:nvPr/>
         </p:nvSpPr>
         <p:spPr>
           <a:xfrm>
-            <a:off x="1545083" y="3848270"/>
-            <a:ext cx="3878304" cy="430887"/>
+            <a:off x="1570183" y="3739188"/>
+            <a:ext cx="733976" cy="261610"/>
           </a:xfrm>
           <a:prstGeom prst="rect">
             <a:avLst/>
@@ -8978,32 +9386,112 @@
           </a:bodyPr>
           <a:lstStyle/>
           <a:p>
+            <a:r>
+              <a:rPr lang="en-US" sz="1100" dirty="0" smtClean="0"/>
+              <a:t>Password</a:t>
+            </a:r>
+            <a:endParaRPr lang="en-US" sz="1100" dirty="0"/>
+          </a:p>
+        </p:txBody>
+      </p:sp>
+      <p:sp>
+        <p:nvSpPr>
+          <p:cNvPr id="8" name="Rectangle 7"/>
+          <p:cNvSpPr/>
+          <p:nvPr/>
+        </p:nvSpPr>
+        <p:spPr>
+          <a:xfrm>
+            <a:off x="2329274" y="3739188"/>
+            <a:ext cx="1804000" cy="261610"/>
+          </a:xfrm>
+          <a:prstGeom prst="rect">
+            <a:avLst/>
+          </a:prstGeom>
+          <a:noFill/>
+          <a:ln>
+            <a:solidFill>
+              <a:schemeClr val="bg1">
+                <a:lumMod val="50000"/>
+              </a:schemeClr>
+            </a:solidFill>
+          </a:ln>
+        </p:spPr>
+        <p:style>
+          <a:lnRef idx="1">
+            <a:schemeClr val="accent1"/>
+          </a:lnRef>
+          <a:fillRef idx="3">
+            <a:schemeClr val="accent1"/>
+          </a:fillRef>
+          <a:effectRef idx="2">
+            <a:schemeClr val="accent1"/>
+          </a:effectRef>
+          <a:fontRef idx="minor">
+            <a:schemeClr val="lt1"/>
+          </a:fontRef>
+        </p:style>
+        <p:txBody>
+          <a:bodyPr rtlCol="0" anchor="ctr"/>
+          <a:lstStyle/>
+          <a:p>
             <a:pPr algn="ctr"/>
-            <a:r>
-              <a:rPr lang="en-US" sz="1100" dirty="0" smtClean="0"/>
-              <a:t>You are successfully registered but we need to verify your email.</a:t>
-            </a:r>
-          </a:p>
+            <a:endParaRPr lang="en-US"/>
+          </a:p>
+        </p:txBody>
+      </p:sp>
+      <p:sp>
+        <p:nvSpPr>
+          <p:cNvPr id="9" name="Rectangle 8"/>
+          <p:cNvSpPr/>
+          <p:nvPr/>
+        </p:nvSpPr>
+        <p:spPr>
+          <a:xfrm>
+            <a:off x="2817091" y="4625802"/>
+            <a:ext cx="1085273" cy="330970"/>
+          </a:xfrm>
+          <a:prstGeom prst="rect">
+            <a:avLst/>
+          </a:prstGeom>
+        </p:spPr>
+        <p:style>
+          <a:lnRef idx="1">
+            <a:schemeClr val="accent1"/>
+          </a:lnRef>
+          <a:fillRef idx="3">
+            <a:schemeClr val="accent1"/>
+          </a:fillRef>
+          <a:effectRef idx="2">
+            <a:schemeClr val="accent1"/>
+          </a:effectRef>
+          <a:fontRef idx="minor">
+            <a:schemeClr val="lt1"/>
+          </a:fontRef>
+        </p:style>
+        <p:txBody>
+          <a:bodyPr rtlCol="0" anchor="ctr"/>
+          <a:lstStyle/>
           <a:p>
             <a:pPr algn="ctr"/>
             <a:r>
-              <a:rPr lang="en-US" sz="1100" dirty="0" smtClean="0"/>
-              <a:t>Please check your email and confirm the verification.</a:t>
-            </a:r>
-            <a:endParaRPr lang="en-US" sz="1100" dirty="0"/>
-          </a:p>
-        </p:txBody>
-      </p:sp>
-      <p:sp>
-        <p:nvSpPr>
-          <p:cNvPr id="19" name="TextBox 18"/>
+              <a:rPr lang="en-US" sz="1200" dirty="0" smtClean="0"/>
+              <a:t>Sign In</a:t>
+            </a:r>
+            <a:endParaRPr lang="en-US" sz="1200" dirty="0"/>
+          </a:p>
+        </p:txBody>
+      </p:sp>
+      <p:sp>
+        <p:nvSpPr>
+          <p:cNvPr id="10" name="TextBox 9"/>
           <p:cNvSpPr txBox="1"/>
           <p:nvPr/>
         </p:nvSpPr>
         <p:spPr>
           <a:xfrm>
-            <a:off x="2269155" y="3284851"/>
-            <a:ext cx="2430172" cy="338554"/>
+            <a:off x="2532303" y="4325659"/>
+            <a:ext cx="1039805" cy="230832"/>
           </a:xfrm>
           <a:prstGeom prst="rect">
             <a:avLst/>
@@ -9016,19 +9504,120 @@
           </a:bodyPr>
           <a:lstStyle/>
           <a:p>
+            <a:r>
+              <a:rPr lang="en-US" sz="900" dirty="0" smtClean="0"/>
+              <a:t>Keep me signed in</a:t>
+            </a:r>
+            <a:endParaRPr lang="en-US" sz="900" dirty="0"/>
+          </a:p>
+        </p:txBody>
+      </p:sp>
+      <p:sp>
+        <p:nvSpPr>
+          <p:cNvPr id="11" name="Frame 10"/>
+          <p:cNvSpPr/>
+          <p:nvPr/>
+        </p:nvSpPr>
+        <p:spPr>
+          <a:xfrm>
+            <a:off x="2439940" y="4364105"/>
+            <a:ext cx="138545" cy="153901"/>
+          </a:xfrm>
+          <a:prstGeom prst="frame">
+            <a:avLst/>
+          </a:prstGeom>
+        </p:spPr>
+        <p:style>
+          <a:lnRef idx="1">
+            <a:schemeClr val="accent1"/>
+          </a:lnRef>
+          <a:fillRef idx="3">
+            <a:schemeClr val="accent1"/>
+          </a:fillRef>
+          <a:effectRef idx="2">
+            <a:schemeClr val="accent1"/>
+          </a:effectRef>
+          <a:fontRef idx="minor">
+            <a:schemeClr val="lt1"/>
+          </a:fontRef>
+        </p:style>
+        <p:txBody>
+          <a:bodyPr rtlCol="0" anchor="ctr"/>
+          <a:lstStyle/>
+          <a:p>
             <a:pPr algn="ctr"/>
-            <a:r>
-              <a:rPr lang="en-US" sz="1600" b="1" dirty="0" smtClean="0"/>
-              <a:t>I also need some bold title</a:t>
-            </a:r>
-            <a:endParaRPr lang="en-US" sz="1600" b="1" dirty="0"/>
+            <a:endParaRPr lang="en-US">
+              <a:solidFill>
+                <a:schemeClr val="tx1"/>
+              </a:solidFill>
+            </a:endParaRPr>
+          </a:p>
+        </p:txBody>
+      </p:sp>
+      <p:sp>
+        <p:nvSpPr>
+          <p:cNvPr id="12" name="TextBox 11"/>
+          <p:cNvSpPr txBox="1"/>
+          <p:nvPr/>
+        </p:nvSpPr>
+        <p:spPr>
+          <a:xfrm>
+            <a:off x="2329274" y="4014692"/>
+            <a:ext cx="1050688" cy="230832"/>
+          </a:xfrm>
+          <a:prstGeom prst="rect">
+            <a:avLst/>
+          </a:prstGeom>
+          <a:noFill/>
+        </p:spPr>
+        <p:txBody>
+          <a:bodyPr wrap="none" rtlCol="0">
+            <a:spAutoFit/>
+          </a:bodyPr>
+          <a:lstStyle/>
+          <a:p>
+            <a:r>
+              <a:rPr lang="en-US" sz="900" u="sng" dirty="0" smtClean="0"/>
+              <a:t>Forgot password?</a:t>
+            </a:r>
+            <a:endParaRPr lang="en-US" sz="900" u="sng" dirty="0"/>
+          </a:p>
+        </p:txBody>
+      </p:sp>
+      <p:sp>
+        <p:nvSpPr>
+          <p:cNvPr id="14" name="TextBox 13"/>
+          <p:cNvSpPr txBox="1"/>
+          <p:nvPr/>
+        </p:nvSpPr>
+        <p:spPr>
+          <a:xfrm>
+            <a:off x="632648" y="2691217"/>
+            <a:ext cx="736299" cy="338554"/>
+          </a:xfrm>
+          <a:prstGeom prst="rect">
+            <a:avLst/>
+          </a:prstGeom>
+          <a:noFill/>
+        </p:spPr>
+        <p:txBody>
+          <a:bodyPr wrap="none" rtlCol="0">
+            <a:spAutoFit/>
+          </a:bodyPr>
+          <a:lstStyle/>
+          <a:p>
+            <a:r>
+              <a:rPr lang="en-US" sz="1600" dirty="0" smtClean="0"/>
+              <a:t>Sign In</a:t>
+            </a:r>
+            <a:endParaRPr lang="en-US" sz="1600" dirty="0"/>
           </a:p>
         </p:txBody>
       </p:sp>
     </p:spTree>
     <p:extLst>
       <p:ext uri="{BB962C8B-B14F-4D97-AF65-F5344CB8AC3E}">
-        <p14:creationId xmlns:p14="http://schemas.microsoft.com/office/powerpoint/2010/main" val="2334266576"/>
+        <p14:creationId xmlns:p14="http://schemas.microsoft.com/office/powerpoint/2010/main" val="525297903"/>
       </p:ext>
     </p:extLst>
   </p:cSld>
@@ -9121,7 +9710,7 @@
         </p:nvSpPr>
         <p:spPr>
           <a:xfrm>
-            <a:off x="447102" y="6040598"/>
+            <a:off x="515487" y="7632983"/>
             <a:ext cx="5621203" cy="654242"/>
           </a:xfrm>
           <a:prstGeom prst="rect">
@@ -9180,7 +9769,7 @@
         <p:spPr>
           <a:xfrm>
             <a:off x="1185333" y="1346970"/>
-            <a:ext cx="1809748" cy="369332"/>
+            <a:ext cx="925416" cy="369332"/>
           </a:xfrm>
           <a:prstGeom prst="rect">
             <a:avLst/>
@@ -9195,7 +9784,7 @@
           <a:p>
             <a:r>
               <a:rPr lang="en-US" i="1" dirty="0" smtClean="0"/>
-              <a:t>Forgot password</a:t>
+              <a:t>Sign up</a:t>
             </a:r>
             <a:endParaRPr lang="en-US" i="1" dirty="0"/>
           </a:p>
@@ -9209,7 +9798,7 @@
         </p:nvSpPr>
         <p:spPr>
           <a:xfrm>
-            <a:off x="1336150" y="3817696"/>
+            <a:off x="1339273" y="3255818"/>
             <a:ext cx="990000" cy="261610"/>
           </a:xfrm>
           <a:prstGeom prst="rect">
@@ -9239,7 +9828,7 @@
         </p:nvSpPr>
         <p:spPr>
           <a:xfrm>
-            <a:off x="2326150" y="3817696"/>
+            <a:off x="2329273" y="3255818"/>
             <a:ext cx="1927151" cy="261610"/>
           </a:xfrm>
           <a:prstGeom prst="rect">
@@ -9279,18 +9868,56 @@
       </p:sp>
       <p:sp>
         <p:nvSpPr>
-          <p:cNvPr id="14" name="Rectangle 13"/>
+          <p:cNvPr id="7" name="TextBox 6"/>
+          <p:cNvSpPr txBox="1"/>
+          <p:nvPr/>
+        </p:nvSpPr>
+        <p:spPr>
+          <a:xfrm>
+            <a:off x="1570183" y="3739188"/>
+            <a:ext cx="733976" cy="261610"/>
+          </a:xfrm>
+          <a:prstGeom prst="rect">
+            <a:avLst/>
+          </a:prstGeom>
+          <a:noFill/>
+        </p:spPr>
+        <p:txBody>
+          <a:bodyPr wrap="none" rtlCol="0">
+            <a:spAutoFit/>
+          </a:bodyPr>
+          <a:lstStyle/>
+          <a:p>
+            <a:r>
+              <a:rPr lang="en-US" sz="1100" dirty="0" smtClean="0"/>
+              <a:t>Password</a:t>
+            </a:r>
+            <a:endParaRPr lang="en-US" sz="1100" dirty="0"/>
+          </a:p>
+        </p:txBody>
+      </p:sp>
+      <p:sp>
+        <p:nvSpPr>
+          <p:cNvPr id="8" name="Rectangle 7"/>
           <p:cNvSpPr/>
           <p:nvPr/>
         </p:nvSpPr>
         <p:spPr>
           <a:xfrm>
-            <a:off x="2218178" y="4302604"/>
-            <a:ext cx="1437883" cy="330970"/>
-          </a:xfrm>
-          <a:prstGeom prst="rect">
-            <a:avLst/>
-          </a:prstGeom>
+            <a:off x="2329273" y="3739188"/>
+            <a:ext cx="1927151" cy="261610"/>
+          </a:xfrm>
+          <a:prstGeom prst="rect">
+            <a:avLst/>
+          </a:prstGeom>
+          <a:noFill/>
+          <a:ln>
+            <a:solidFill>
+              <a:schemeClr val="bg1">
+                <a:lumMod val="50000"/>
+              </a:schemeClr>
+            </a:solidFill>
+          </a:ln>
         </p:spPr>
         <p:style>
           <a:lnRef idx="1">
@@ -9311,24 +9938,20 @@
           <a:lstStyle/>
           <a:p>
             <a:pPr algn="ctr"/>
-            <a:r>
-              <a:rPr lang="en-US" sz="1200" dirty="0" smtClean="0"/>
-              <a:t>Reset My Password</a:t>
-            </a:r>
-            <a:endParaRPr lang="en-US" sz="1200" dirty="0"/>
-          </a:p>
-        </p:txBody>
-      </p:sp>
-      <p:sp>
-        <p:nvSpPr>
-          <p:cNvPr id="18" name="TextBox 17"/>
+            <a:endParaRPr lang="en-US"/>
+          </a:p>
+        </p:txBody>
+      </p:sp>
+      <p:sp>
+        <p:nvSpPr>
+          <p:cNvPr id="9" name="TextBox 8"/>
           <p:cNvSpPr txBox="1"/>
           <p:nvPr/>
         </p:nvSpPr>
         <p:spPr>
           <a:xfrm>
-            <a:off x="1513134" y="3347924"/>
-            <a:ext cx="3557384" cy="261610"/>
+            <a:off x="1754911" y="4207163"/>
+            <a:ext cx="526168" cy="261610"/>
           </a:xfrm>
           <a:prstGeom prst="rect">
             <a:avLst/>
@@ -9341,25 +9964,71 @@
           </a:bodyPr>
           <a:lstStyle/>
           <a:p>
+            <a:pPr algn="r"/>
+            <a:r>
+              <a:rPr lang="en-US" sz="1100" dirty="0" smtClean="0"/>
+              <a:t>Name</a:t>
+            </a:r>
+            <a:endParaRPr lang="en-US" sz="1100" dirty="0"/>
+          </a:p>
+        </p:txBody>
+      </p:sp>
+      <p:sp>
+        <p:nvSpPr>
+          <p:cNvPr id="10" name="Rectangle 9"/>
+          <p:cNvSpPr/>
+          <p:nvPr/>
+        </p:nvSpPr>
+        <p:spPr>
+          <a:xfrm>
+            <a:off x="2329273" y="4207163"/>
+            <a:ext cx="1927151" cy="261610"/>
+          </a:xfrm>
+          <a:prstGeom prst="rect">
+            <a:avLst/>
+          </a:prstGeom>
+          <a:noFill/>
+          <a:ln>
+            <a:solidFill>
+              <a:schemeClr val="bg1">
+                <a:lumMod val="50000"/>
+              </a:schemeClr>
+            </a:solidFill>
+          </a:ln>
+        </p:spPr>
+        <p:style>
+          <a:lnRef idx="1">
+            <a:schemeClr val="accent1"/>
+          </a:lnRef>
+          <a:fillRef idx="3">
+            <a:schemeClr val="accent1"/>
+          </a:fillRef>
+          <a:effectRef idx="2">
+            <a:schemeClr val="accent1"/>
+          </a:effectRef>
+          <a:fontRef idx="minor">
+            <a:schemeClr val="lt1"/>
+          </a:fontRef>
+        </p:style>
+        <p:txBody>
+          <a:bodyPr rtlCol="0" anchor="ctr"/>
+          <a:lstStyle/>
+          <a:p>
             <a:pPr algn="ctr"/>
-            <a:r>
-              <a:rPr lang="en-US" sz="1100" dirty="0" smtClean="0"/>
-              <a:t>We will email you instructions for resetting your password.</a:t>
-            </a:r>
-            <a:endParaRPr lang="en-US" sz="1100" dirty="0"/>
-          </a:p>
-        </p:txBody>
-      </p:sp>
-      <p:sp>
-        <p:nvSpPr>
-          <p:cNvPr id="19" name="TextBox 18"/>
+            <a:endParaRPr lang="en-US"/>
+          </a:p>
+        </p:txBody>
+      </p:sp>
+      <p:sp>
+        <p:nvSpPr>
+          <p:cNvPr id="11" name="TextBox 10"/>
           <p:cNvSpPr txBox="1"/>
           <p:nvPr/>
         </p:nvSpPr>
         <p:spPr>
           <a:xfrm>
-            <a:off x="2420772" y="3009370"/>
-            <a:ext cx="1526580" cy="338554"/>
+            <a:off x="2516909" y="3486640"/>
+            <a:ext cx="1239292" cy="215444"/>
           </a:xfrm>
           <a:prstGeom prst="rect">
             <a:avLst/>
@@ -9372,25 +10041,32 @@
           </a:bodyPr>
           <a:lstStyle/>
           <a:p>
-            <a:pPr algn="ctr"/>
-            <a:r>
-              <a:rPr lang="en-US" sz="1600" b="1" dirty="0" smtClean="0"/>
-              <a:t>Reset Password</a:t>
-            </a:r>
-            <a:endParaRPr lang="en-US" sz="1600" b="1" dirty="0"/>
-          </a:p>
-        </p:txBody>
-      </p:sp>
-      <p:sp>
-        <p:nvSpPr>
-          <p:cNvPr id="20" name="TextBox 19"/>
+            <a:r>
+              <a:rPr lang="en-US" sz="800" dirty="0" smtClean="0">
+                <a:solidFill>
+                  <a:srgbClr val="FF0000"/>
+                </a:solidFill>
+              </a:rPr>
+              <a:t>Email Address is required</a:t>
+            </a:r>
+            <a:endParaRPr lang="en-US" sz="800" dirty="0">
+              <a:solidFill>
+                <a:srgbClr val="FF0000"/>
+              </a:solidFill>
+            </a:endParaRPr>
+          </a:p>
+        </p:txBody>
+      </p:sp>
+      <p:sp>
+        <p:nvSpPr>
+          <p:cNvPr id="12" name="TextBox 11"/>
           <p:cNvSpPr txBox="1"/>
           <p:nvPr/>
         </p:nvSpPr>
         <p:spPr>
           <a:xfrm>
-            <a:off x="3813034" y="4316371"/>
-            <a:ext cx="1140776" cy="261610"/>
+            <a:off x="2516909" y="3968628"/>
+            <a:ext cx="1056700" cy="215444"/>
           </a:xfrm>
           <a:prstGeom prst="rect">
             <a:avLst/>
@@ -9404,17 +10080,331 @@
           <a:lstStyle/>
           <a:p>
             <a:r>
-              <a:rPr lang="en-US" sz="1100" dirty="0" smtClean="0"/>
-              <a:t>Return to Sign In</a:t>
-            </a:r>
-            <a:endParaRPr lang="en-US" sz="1100" dirty="0"/>
+              <a:rPr lang="en-US" sz="800" dirty="0" smtClean="0">
+                <a:solidFill>
+                  <a:srgbClr val="FF0000"/>
+                </a:solidFill>
+              </a:rPr>
+              <a:t>Password is required</a:t>
+            </a:r>
+            <a:endParaRPr lang="en-US" sz="800" dirty="0">
+              <a:solidFill>
+                <a:srgbClr val="FF0000"/>
+              </a:solidFill>
+            </a:endParaRPr>
+          </a:p>
+        </p:txBody>
+      </p:sp>
+      <p:sp>
+        <p:nvSpPr>
+          <p:cNvPr id="13" name="TextBox 12"/>
+          <p:cNvSpPr txBox="1"/>
+          <p:nvPr/>
+        </p:nvSpPr>
+        <p:spPr>
+          <a:xfrm>
+            <a:off x="2530764" y="4468773"/>
+            <a:ext cx="902811" cy="215444"/>
+          </a:xfrm>
+          <a:prstGeom prst="rect">
+            <a:avLst/>
+          </a:prstGeom>
+          <a:noFill/>
+        </p:spPr>
+        <p:txBody>
+          <a:bodyPr wrap="none" rtlCol="0">
+            <a:spAutoFit/>
+          </a:bodyPr>
+          <a:lstStyle/>
+          <a:p>
+            <a:r>
+              <a:rPr lang="en-US" sz="800" dirty="0" smtClean="0">
+                <a:solidFill>
+                  <a:srgbClr val="FF0000"/>
+                </a:solidFill>
+              </a:rPr>
+              <a:t>Name is required</a:t>
+            </a:r>
+            <a:endParaRPr lang="en-US" sz="800" dirty="0">
+              <a:solidFill>
+                <a:srgbClr val="FF0000"/>
+              </a:solidFill>
+            </a:endParaRPr>
+          </a:p>
+        </p:txBody>
+      </p:sp>
+      <p:sp>
+        <p:nvSpPr>
+          <p:cNvPr id="14" name="Rectangle 13"/>
+          <p:cNvSpPr/>
+          <p:nvPr/>
+        </p:nvSpPr>
+        <p:spPr>
+          <a:xfrm>
+            <a:off x="2890938" y="4933757"/>
+            <a:ext cx="1085273" cy="330970"/>
+          </a:xfrm>
+          <a:prstGeom prst="rect">
+            <a:avLst/>
+          </a:prstGeom>
+        </p:spPr>
+        <p:style>
+          <a:lnRef idx="1">
+            <a:schemeClr val="accent1"/>
+          </a:lnRef>
+          <a:fillRef idx="3">
+            <a:schemeClr val="accent1"/>
+          </a:fillRef>
+          <a:effectRef idx="2">
+            <a:schemeClr val="accent1"/>
+          </a:effectRef>
+          <a:fontRef idx="minor">
+            <a:schemeClr val="lt1"/>
+          </a:fontRef>
+        </p:style>
+        <p:txBody>
+          <a:bodyPr rtlCol="0" anchor="ctr"/>
+          <a:lstStyle/>
+          <a:p>
+            <a:pPr algn="ctr"/>
+            <a:r>
+              <a:rPr lang="en-US" sz="1200" dirty="0" smtClean="0"/>
+              <a:t>Sign Up</a:t>
+            </a:r>
+            <a:endParaRPr lang="en-US" sz="1200" dirty="0"/>
+          </a:p>
+        </p:txBody>
+      </p:sp>
+      <p:sp>
+        <p:nvSpPr>
+          <p:cNvPr id="15" name="Rounded Rectangular Callout 14"/>
+          <p:cNvSpPr/>
+          <p:nvPr/>
+        </p:nvSpPr>
+        <p:spPr>
+          <a:xfrm>
+            <a:off x="4525818" y="3739188"/>
+            <a:ext cx="1123758" cy="347903"/>
+          </a:xfrm>
+          <a:prstGeom prst="wedgeRoundRectCallout">
+            <a:avLst>
+              <a:gd name="adj1" fmla="val -72203"/>
+              <a:gd name="adj2" fmla="val -19358"/>
+              <a:gd name="adj3" fmla="val 16667"/>
+            </a:avLst>
+          </a:prstGeom>
+        </p:spPr>
+        <p:style>
+          <a:lnRef idx="1">
+            <a:schemeClr val="accent1"/>
+          </a:lnRef>
+          <a:fillRef idx="3">
+            <a:schemeClr val="accent1"/>
+          </a:fillRef>
+          <a:effectRef idx="2">
+            <a:schemeClr val="accent1"/>
+          </a:effectRef>
+          <a:fontRef idx="minor">
+            <a:schemeClr val="lt1"/>
+          </a:fontRef>
+        </p:style>
+        <p:txBody>
+          <a:bodyPr rtlCol="0" anchor="ctr"/>
+          <a:lstStyle/>
+          <a:p>
+            <a:pPr algn="ctr"/>
+            <a:r>
+              <a:rPr lang="en-US" sz="900" dirty="0" smtClean="0"/>
+              <a:t>At least more than 6 characters</a:t>
+            </a:r>
+            <a:endParaRPr lang="en-US" sz="900" dirty="0"/>
+          </a:p>
+        </p:txBody>
+      </p:sp>
+      <p:sp>
+        <p:nvSpPr>
+          <p:cNvPr id="16" name="TextBox 15"/>
+          <p:cNvSpPr txBox="1"/>
+          <p:nvPr/>
+        </p:nvSpPr>
+        <p:spPr>
+          <a:xfrm>
+            <a:off x="4319702" y="2940872"/>
+            <a:ext cx="1452969" cy="200055"/>
+          </a:xfrm>
+          <a:prstGeom prst="rect">
+            <a:avLst/>
+          </a:prstGeom>
+          <a:noFill/>
+        </p:spPr>
+        <p:txBody>
+          <a:bodyPr wrap="none" rtlCol="0">
+            <a:spAutoFit/>
+          </a:bodyPr>
+          <a:lstStyle/>
+          <a:p>
+            <a:r>
+              <a:rPr lang="en-US" sz="700" i="1" dirty="0" smtClean="0"/>
+              <a:t>When password boxed got a focus</a:t>
+            </a:r>
+            <a:endParaRPr lang="en-US" sz="700" i="1" dirty="0"/>
+          </a:p>
+        </p:txBody>
+      </p:sp>
+      <p:sp>
+        <p:nvSpPr>
+          <p:cNvPr id="18" name="Rounded Rectangular Callout 17"/>
+          <p:cNvSpPr/>
+          <p:nvPr/>
+        </p:nvSpPr>
+        <p:spPr>
+          <a:xfrm>
+            <a:off x="4525818" y="3283381"/>
+            <a:ext cx="1123758" cy="347903"/>
+          </a:xfrm>
+          <a:prstGeom prst="wedgeRoundRectCallout">
+            <a:avLst>
+              <a:gd name="adj1" fmla="val -72203"/>
+              <a:gd name="adj2" fmla="val -19358"/>
+              <a:gd name="adj3" fmla="val 16667"/>
+            </a:avLst>
+          </a:prstGeom>
+        </p:spPr>
+        <p:style>
+          <a:lnRef idx="1">
+            <a:schemeClr val="accent1"/>
+          </a:lnRef>
+          <a:fillRef idx="3">
+            <a:schemeClr val="accent1"/>
+          </a:fillRef>
+          <a:effectRef idx="2">
+            <a:schemeClr val="accent1"/>
+          </a:effectRef>
+          <a:fontRef idx="minor">
+            <a:schemeClr val="lt1"/>
+          </a:fontRef>
+        </p:style>
+        <p:txBody>
+          <a:bodyPr rtlCol="0" anchor="ctr"/>
+          <a:lstStyle/>
+          <a:p>
+            <a:pPr algn="ctr"/>
+            <a:r>
+              <a:rPr lang="en-US" sz="900" dirty="0" smtClean="0"/>
+              <a:t>At least more than 6 characters</a:t>
+            </a:r>
+            <a:endParaRPr lang="en-US" sz="900" dirty="0"/>
+          </a:p>
+        </p:txBody>
+      </p:sp>
+      <p:sp>
+        <p:nvSpPr>
+          <p:cNvPr id="19" name="Rounded Rectangular Callout 18"/>
+          <p:cNvSpPr/>
+          <p:nvPr/>
+        </p:nvSpPr>
+        <p:spPr>
+          <a:xfrm>
+            <a:off x="4525817" y="4219924"/>
+            <a:ext cx="1246853" cy="347903"/>
+          </a:xfrm>
+          <a:prstGeom prst="wedgeRoundRectCallout">
+            <a:avLst>
+              <a:gd name="adj1" fmla="val -72203"/>
+              <a:gd name="adj2" fmla="val -19358"/>
+              <a:gd name="adj3" fmla="val 16667"/>
+            </a:avLst>
+          </a:prstGeom>
+        </p:spPr>
+        <p:style>
+          <a:lnRef idx="1">
+            <a:schemeClr val="accent1"/>
+          </a:lnRef>
+          <a:fillRef idx="3">
+            <a:schemeClr val="accent1"/>
+          </a:fillRef>
+          <a:effectRef idx="2">
+            <a:schemeClr val="accent1"/>
+          </a:effectRef>
+          <a:fontRef idx="minor">
+            <a:schemeClr val="lt1"/>
+          </a:fontRef>
+        </p:style>
+        <p:txBody>
+          <a:bodyPr rtlCol="0" anchor="ctr"/>
+          <a:lstStyle/>
+          <a:p>
+            <a:pPr algn="ctr"/>
+            <a:r>
+              <a:rPr lang="en-US" sz="900" dirty="0" smtClean="0"/>
+              <a:t>Let us know how you want us to call you</a:t>
+            </a:r>
+            <a:endParaRPr lang="en-US" sz="900" dirty="0"/>
+          </a:p>
+        </p:txBody>
+      </p:sp>
+      <p:sp>
+        <p:nvSpPr>
+          <p:cNvPr id="20" name="TextBox 19"/>
+          <p:cNvSpPr txBox="1"/>
+          <p:nvPr/>
+        </p:nvSpPr>
+        <p:spPr>
+          <a:xfrm>
+            <a:off x="896649" y="5803872"/>
+            <a:ext cx="4314001" cy="800219"/>
+          </a:xfrm>
+          <a:prstGeom prst="rect">
+            <a:avLst/>
+          </a:prstGeom>
+          <a:noFill/>
+        </p:spPr>
+        <p:txBody>
+          <a:bodyPr wrap="none" rtlCol="0">
+            <a:spAutoFit/>
+          </a:bodyPr>
+          <a:lstStyle/>
+          <a:p>
+            <a:r>
+              <a:rPr lang="en-US" dirty="0" smtClean="0"/>
+              <a:t>With sign up</a:t>
+            </a:r>
+          </a:p>
+          <a:p>
+            <a:r>
+              <a:rPr lang="en-US" sz="1400" dirty="0"/>
+              <a:t> </a:t>
+            </a:r>
+            <a:r>
+              <a:rPr lang="en-US" sz="1400" dirty="0" smtClean="0"/>
+              <a:t> - you can get emails on various sale information</a:t>
+            </a:r>
+          </a:p>
+          <a:p>
+            <a:r>
+              <a:rPr lang="en-US" sz="1400" dirty="0"/>
+              <a:t> </a:t>
+            </a:r>
+            <a:r>
+              <a:rPr lang="en-US" sz="1400" dirty="0" smtClean="0"/>
+              <a:t> - you can get emails when the price of your </a:t>
+            </a:r>
+            <a:r>
+              <a:rPr lang="en-US" sz="1400" dirty="0" err="1" smtClean="0"/>
+              <a:t>favs</a:t>
+            </a:r>
+            <a:r>
+              <a:rPr lang="en-US" sz="1400" dirty="0" smtClean="0"/>
+              <a:t> change</a:t>
+            </a:r>
+            <a:endParaRPr lang="en-US" sz="1400" dirty="0"/>
           </a:p>
         </p:txBody>
       </p:sp>
     </p:spTree>
     <p:extLst>
       <p:ext uri="{BB962C8B-B14F-4D97-AF65-F5344CB8AC3E}">
-        <p14:creationId xmlns:p14="http://schemas.microsoft.com/office/powerpoint/2010/main" val="1548389621"/>
+        <p14:creationId xmlns:p14="http://schemas.microsoft.com/office/powerpoint/2010/main" val="3804072500"/>
       </p:ext>
     </p:extLst>
   </p:cSld>
@@ -9566,7 +10556,7 @@
         <p:spPr>
           <a:xfrm>
             <a:off x="1185333" y="1346970"/>
-            <a:ext cx="1097977" cy="369332"/>
+            <a:ext cx="2367442" cy="369332"/>
           </a:xfrm>
           <a:prstGeom prst="rect">
             <a:avLst/>
@@ -9581,7 +10571,7 @@
           <a:p>
             <a:r>
               <a:rPr lang="en-US" i="1" dirty="0" smtClean="0"/>
-              <a:t>About Us</a:t>
+              <a:t>General message page</a:t>
             </a:r>
             <a:endParaRPr lang="en-US" i="1" dirty="0"/>
           </a:p>
@@ -9589,14 +10579,14 @@
       </p:sp>
       <p:sp>
         <p:nvSpPr>
-          <p:cNvPr id="14" name="TextBox 13"/>
+          <p:cNvPr id="18" name="TextBox 17"/>
           <p:cNvSpPr txBox="1"/>
           <p:nvPr/>
         </p:nvSpPr>
         <p:spPr>
           <a:xfrm>
-            <a:off x="2391750" y="3375961"/>
-            <a:ext cx="1439366" cy="261610"/>
+            <a:off x="1545083" y="3848270"/>
+            <a:ext cx="3878304" cy="430887"/>
           </a:xfrm>
           <a:prstGeom prst="rect">
             <a:avLst/>
@@ -9609,9 +10599,17 @@
           </a:bodyPr>
           <a:lstStyle/>
           <a:p>
+            <a:pPr algn="ctr"/>
             <a:r>
               <a:rPr lang="en-US" sz="1100" dirty="0" smtClean="0"/>
-              <a:t>We are blah blah blah</a:t>
+              <a:t>You are successfully registered but we need to verify your email.</a:t>
+            </a:r>
+          </a:p>
+          <a:p>
+            <a:pPr algn="ctr"/>
+            <a:r>
+              <a:rPr lang="en-US" sz="1100" dirty="0" smtClean="0"/>
+              <a:t>Please check your email and confirm the verification.</a:t>
             </a:r>
             <a:endParaRPr lang="en-US" sz="1100" dirty="0"/>
           </a:p>
@@ -9619,14 +10617,14 @@
       </p:sp>
       <p:sp>
         <p:nvSpPr>
-          <p:cNvPr id="15" name="TextBox 14"/>
+          <p:cNvPr id="19" name="TextBox 18"/>
           <p:cNvSpPr txBox="1"/>
           <p:nvPr/>
         </p:nvSpPr>
         <p:spPr>
           <a:xfrm>
-            <a:off x="2321084" y="2971594"/>
-            <a:ext cx="1101584" cy="338554"/>
+            <a:off x="2269155" y="3284851"/>
+            <a:ext cx="2430172" cy="338554"/>
           </a:xfrm>
           <a:prstGeom prst="rect">
             <a:avLst/>
@@ -9639,129 +10637,10 @@
           </a:bodyPr>
           <a:lstStyle/>
           <a:p>
+            <a:pPr algn="ctr"/>
             <a:r>
               <a:rPr lang="en-US" sz="1600" b="1" dirty="0" smtClean="0"/>
-              <a:t>Highlight 1</a:t>
-            </a:r>
-            <a:endParaRPr lang="en-US" sz="1600" b="1" dirty="0"/>
-          </a:p>
-        </p:txBody>
-      </p:sp>
-      <p:sp>
-        <p:nvSpPr>
-          <p:cNvPr id="16" name="TextBox 15"/>
-          <p:cNvSpPr txBox="1"/>
-          <p:nvPr/>
-        </p:nvSpPr>
-        <p:spPr>
-          <a:xfrm>
-            <a:off x="2393143" y="4305726"/>
-            <a:ext cx="1439366" cy="261610"/>
-          </a:xfrm>
-          <a:prstGeom prst="rect">
-            <a:avLst/>
-          </a:prstGeom>
-          <a:noFill/>
-        </p:spPr>
-        <p:txBody>
-          <a:bodyPr wrap="none" rtlCol="0">
-            <a:spAutoFit/>
-          </a:bodyPr>
-          <a:lstStyle/>
-          <a:p>
-            <a:r>
-              <a:rPr lang="en-US" sz="1100" dirty="0" smtClean="0"/>
-              <a:t>We are blah blah blah</a:t>
-            </a:r>
-            <a:endParaRPr lang="en-US" sz="1100" dirty="0"/>
-          </a:p>
-        </p:txBody>
-      </p:sp>
-      <p:sp>
-        <p:nvSpPr>
-          <p:cNvPr id="17" name="TextBox 16"/>
-          <p:cNvSpPr txBox="1"/>
-          <p:nvPr/>
-        </p:nvSpPr>
-        <p:spPr>
-          <a:xfrm>
-            <a:off x="2322477" y="3901359"/>
-            <a:ext cx="1101584" cy="338554"/>
-          </a:xfrm>
-          <a:prstGeom prst="rect">
-            <a:avLst/>
-          </a:prstGeom>
-          <a:noFill/>
-        </p:spPr>
-        <p:txBody>
-          <a:bodyPr wrap="none" rtlCol="0">
-            <a:spAutoFit/>
-          </a:bodyPr>
-          <a:lstStyle/>
-          <a:p>
-            <a:r>
-              <a:rPr lang="en-US" sz="1600" b="1" dirty="0" smtClean="0"/>
-              <a:t>Highlight 2</a:t>
-            </a:r>
-            <a:endParaRPr lang="en-US" sz="1600" b="1" dirty="0"/>
-          </a:p>
-        </p:txBody>
-      </p:sp>
-      <p:sp>
-        <p:nvSpPr>
-          <p:cNvPr id="18" name="TextBox 17"/>
-          <p:cNvSpPr txBox="1"/>
-          <p:nvPr/>
-        </p:nvSpPr>
-        <p:spPr>
-          <a:xfrm>
-            <a:off x="2393143" y="5227822"/>
-            <a:ext cx="1439366" cy="261610"/>
-          </a:xfrm>
-          <a:prstGeom prst="rect">
-            <a:avLst/>
-          </a:prstGeom>
-          <a:noFill/>
-        </p:spPr>
-        <p:txBody>
-          <a:bodyPr wrap="none" rtlCol="0">
-            <a:spAutoFit/>
-          </a:bodyPr>
-          <a:lstStyle/>
-          <a:p>
-            <a:r>
-              <a:rPr lang="en-US" sz="1100" dirty="0" smtClean="0"/>
-              <a:t>We are blah blah blah</a:t>
-            </a:r>
-            <a:endParaRPr lang="en-US" sz="1100" dirty="0"/>
-          </a:p>
-        </p:txBody>
-      </p:sp>
-      <p:sp>
-        <p:nvSpPr>
-          <p:cNvPr id="19" name="TextBox 18"/>
-          <p:cNvSpPr txBox="1"/>
-          <p:nvPr/>
-        </p:nvSpPr>
-        <p:spPr>
-          <a:xfrm>
-            <a:off x="2322477" y="4823455"/>
-            <a:ext cx="1101584" cy="338554"/>
-          </a:xfrm>
-          <a:prstGeom prst="rect">
-            <a:avLst/>
-          </a:prstGeom>
-          <a:noFill/>
-        </p:spPr>
-        <p:txBody>
-          <a:bodyPr wrap="none" rtlCol="0">
-            <a:spAutoFit/>
-          </a:bodyPr>
-          <a:lstStyle/>
-          <a:p>
-            <a:r>
-              <a:rPr lang="en-US" sz="1600" b="1" dirty="0" smtClean="0"/>
-              <a:t>Highlight 3</a:t>
+              <a:t>I also need some bold title</a:t>
             </a:r>
             <a:endParaRPr lang="en-US" sz="1600" b="1" dirty="0"/>
           </a:p>
@@ -9770,7 +10649,7 @@
     </p:spTree>
     <p:extLst>
       <p:ext uri="{BB962C8B-B14F-4D97-AF65-F5344CB8AC3E}">
-        <p14:creationId xmlns:p14="http://schemas.microsoft.com/office/powerpoint/2010/main" val="2498004802"/>
+        <p14:creationId xmlns:p14="http://schemas.microsoft.com/office/powerpoint/2010/main" val="2334266576"/>
       </p:ext>
     </p:extLst>
   </p:cSld>
